--- a/Final PPT.pptx
+++ b/Final PPT.pptx
@@ -15,7 +15,18 @@
     <p:sldId id="288" r:id="rId9"/>
     <p:sldId id="289" r:id="rId10"/>
     <p:sldId id="290" r:id="rId11"/>
-    <p:sldId id="283" r:id="rId12"/>
+    <p:sldId id="301" r:id="rId12"/>
+    <p:sldId id="302" r:id="rId13"/>
+    <p:sldId id="303" r:id="rId14"/>
+    <p:sldId id="304" r:id="rId15"/>
+    <p:sldId id="305" r:id="rId16"/>
+    <p:sldId id="306" r:id="rId17"/>
+    <p:sldId id="310" r:id="rId18"/>
+    <p:sldId id="311" r:id="rId19"/>
+    <p:sldId id="312" r:id="rId20"/>
+    <p:sldId id="307" r:id="rId21"/>
+    <p:sldId id="308" r:id="rId22"/>
+    <p:sldId id="283" r:id="rId23"/>
   </p:sldIdLst>
   <p:sldSz cx="12192000" cy="6858000"/>
   <p:notesSz cx="6858000" cy="9144000"/>
@@ -345,7 +356,7 @@
           <a:p>
             <a:fld id="{18E695EA-E809-43D7-83F3-62ED79D52AB1}" type="datetimeFigureOut">
               <a:rPr lang="en-IN" smtClean="0"/>
-              <a:t>28-03-2023</a:t>
+              <a:t>16-04-2023</a:t>
             </a:fld>
             <a:endParaRPr lang="en-IN"/>
           </a:p>
@@ -620,7 +631,7 @@
           <a:p>
             <a:fld id="{18E695EA-E809-43D7-83F3-62ED79D52AB1}" type="datetimeFigureOut">
               <a:rPr lang="en-IN" smtClean="0"/>
-              <a:t>28-03-2023</a:t>
+              <a:t>16-04-2023</a:t>
             </a:fld>
             <a:endParaRPr lang="en-IN"/>
           </a:p>
@@ -814,7 +825,7 @@
           <a:p>
             <a:fld id="{18E695EA-E809-43D7-83F3-62ED79D52AB1}" type="datetimeFigureOut">
               <a:rPr lang="en-IN" smtClean="0"/>
-              <a:t>28-03-2023</a:t>
+              <a:t>16-04-2023</a:t>
             </a:fld>
             <a:endParaRPr lang="en-IN"/>
           </a:p>
@@ -1087,7 +1098,7 @@
           <a:p>
             <a:fld id="{18E695EA-E809-43D7-83F3-62ED79D52AB1}" type="datetimeFigureOut">
               <a:rPr lang="en-IN" smtClean="0"/>
-              <a:t>28-03-2023</a:t>
+              <a:t>16-04-2023</a:t>
             </a:fld>
             <a:endParaRPr lang="en-IN"/>
           </a:p>
@@ -1428,7 +1439,7 @@
           <a:p>
             <a:fld id="{18E695EA-E809-43D7-83F3-62ED79D52AB1}" type="datetimeFigureOut">
               <a:rPr lang="en-IN" smtClean="0"/>
-              <a:t>28-03-2023</a:t>
+              <a:t>16-04-2023</a:t>
             </a:fld>
             <a:endParaRPr lang="en-IN"/>
           </a:p>
@@ -2051,7 +2062,7 @@
           <a:p>
             <a:fld id="{18E695EA-E809-43D7-83F3-62ED79D52AB1}" type="datetimeFigureOut">
               <a:rPr lang="en-IN" smtClean="0"/>
-              <a:t>28-03-2023</a:t>
+              <a:t>16-04-2023</a:t>
             </a:fld>
             <a:endParaRPr lang="en-IN"/>
           </a:p>
@@ -2911,7 +2922,7 @@
           <a:p>
             <a:fld id="{18E695EA-E809-43D7-83F3-62ED79D52AB1}" type="datetimeFigureOut">
               <a:rPr lang="en-IN" smtClean="0"/>
-              <a:t>28-03-2023</a:t>
+              <a:t>16-04-2023</a:t>
             </a:fld>
             <a:endParaRPr lang="en-IN"/>
           </a:p>
@@ -3081,7 +3092,7 @@
           <a:p>
             <a:fld id="{18E695EA-E809-43D7-83F3-62ED79D52AB1}" type="datetimeFigureOut">
               <a:rPr lang="en-IN" smtClean="0"/>
-              <a:t>28-03-2023</a:t>
+              <a:t>16-04-2023</a:t>
             </a:fld>
             <a:endParaRPr lang="en-IN"/>
           </a:p>
@@ -3261,7 +3272,7 @@
           <a:p>
             <a:fld id="{18E695EA-E809-43D7-83F3-62ED79D52AB1}" type="datetimeFigureOut">
               <a:rPr lang="en-IN" smtClean="0"/>
-              <a:t>28-03-2023</a:t>
+              <a:t>16-04-2023</a:t>
             </a:fld>
             <a:endParaRPr lang="en-IN"/>
           </a:p>
@@ -3431,7 +3442,7 @@
           <a:p>
             <a:fld id="{18E695EA-E809-43D7-83F3-62ED79D52AB1}" type="datetimeFigureOut">
               <a:rPr lang="en-IN" smtClean="0"/>
-              <a:t>28-03-2023</a:t>
+              <a:t>16-04-2023</a:t>
             </a:fld>
             <a:endParaRPr lang="en-IN"/>
           </a:p>
@@ -3678,7 +3689,7 @@
           <a:p>
             <a:fld id="{18E695EA-E809-43D7-83F3-62ED79D52AB1}" type="datetimeFigureOut">
               <a:rPr lang="en-IN" smtClean="0"/>
-              <a:t>28-03-2023</a:t>
+              <a:t>16-04-2023</a:t>
             </a:fld>
             <a:endParaRPr lang="en-IN"/>
           </a:p>
@@ -3970,7 +3981,7 @@
           <a:p>
             <a:fld id="{18E695EA-E809-43D7-83F3-62ED79D52AB1}" type="datetimeFigureOut">
               <a:rPr lang="en-IN" smtClean="0"/>
-              <a:t>28-03-2023</a:t>
+              <a:t>16-04-2023</a:t>
             </a:fld>
             <a:endParaRPr lang="en-IN"/>
           </a:p>
@@ -4414,7 +4425,7 @@
           <a:p>
             <a:fld id="{18E695EA-E809-43D7-83F3-62ED79D52AB1}" type="datetimeFigureOut">
               <a:rPr lang="en-IN" smtClean="0"/>
-              <a:t>28-03-2023</a:t>
+              <a:t>16-04-2023</a:t>
             </a:fld>
             <a:endParaRPr lang="en-IN"/>
           </a:p>
@@ -4532,7 +4543,7 @@
           <a:p>
             <a:fld id="{18E695EA-E809-43D7-83F3-62ED79D52AB1}" type="datetimeFigureOut">
               <a:rPr lang="en-IN" smtClean="0"/>
-              <a:t>28-03-2023</a:t>
+              <a:t>16-04-2023</a:t>
             </a:fld>
             <a:endParaRPr lang="en-IN"/>
           </a:p>
@@ -4627,7 +4638,7 @@
           <a:p>
             <a:fld id="{18E695EA-E809-43D7-83F3-62ED79D52AB1}" type="datetimeFigureOut">
               <a:rPr lang="en-IN" smtClean="0"/>
-              <a:t>28-03-2023</a:t>
+              <a:t>16-04-2023</a:t>
             </a:fld>
             <a:endParaRPr lang="en-IN"/>
           </a:p>
@@ -4906,7 +4917,7 @@
           <a:p>
             <a:fld id="{18E695EA-E809-43D7-83F3-62ED79D52AB1}" type="datetimeFigureOut">
               <a:rPr lang="en-IN" smtClean="0"/>
-              <a:t>28-03-2023</a:t>
+              <a:t>16-04-2023</a:t>
             </a:fld>
             <a:endParaRPr lang="en-IN"/>
           </a:p>
@@ -5181,7 +5192,7 @@
           <a:p>
             <a:fld id="{18E695EA-E809-43D7-83F3-62ED79D52AB1}" type="datetimeFigureOut">
               <a:rPr lang="en-IN" smtClean="0"/>
-              <a:t>28-03-2023</a:t>
+              <a:t>16-04-2023</a:t>
             </a:fld>
             <a:endParaRPr lang="en-IN"/>
           </a:p>
@@ -5610,7 +5621,7 @@
           <a:p>
             <a:fld id="{18E695EA-E809-43D7-83F3-62ED79D52AB1}" type="datetimeFigureOut">
               <a:rPr lang="en-IN" smtClean="0"/>
-              <a:t>28-03-2023</a:t>
+              <a:t>16-04-2023</a:t>
             </a:fld>
             <a:endParaRPr lang="en-IN"/>
           </a:p>
@@ -6670,27 +6681,8 @@
                 <a:latin typeface="Verdana" panose="020B0604030504040204" pitchFamily="34" charset="0"/>
                 <a:ea typeface="Verdana" panose="020B0604030504040204" pitchFamily="34" charset="0"/>
               </a:rPr>
-              <a:t> </a:t>
-            </a:r>
-            <a:r>
-              <a:rPr lang="en-US" sz="2000" b="0" i="0">
-                <a:solidFill>
-                  <a:srgbClr val="D1D5DB"/>
-                </a:solidFill>
-                <a:effectLst/>
-                <a:latin typeface="Verdana" panose="020B0604030504040204" pitchFamily="34" charset="0"/>
-                <a:ea typeface="Verdana" panose="020B0604030504040204" pitchFamily="34" charset="0"/>
-              </a:rPr>
               <a:t>Quantum Teleportation(QT)</a:t>
             </a:r>
-            <a:endParaRPr lang="en-US" sz="2000" b="0" i="0" dirty="0">
-              <a:solidFill>
-                <a:srgbClr val="D1D5DB"/>
-              </a:solidFill>
-              <a:effectLst/>
-              <a:latin typeface="Verdana" panose="020B0604030504040204" pitchFamily="34" charset="0"/>
-              <a:ea typeface="Verdana" panose="020B0604030504040204" pitchFamily="34" charset="0"/>
-            </a:endParaRPr>
           </a:p>
           <a:p>
             <a:pPr marL="343260" indent="-342900">
@@ -6817,6 +6809,2102 @@
       </p:grpSpPr>
       <p:sp>
         <p:nvSpPr>
+          <p:cNvPr id="3" name="TextBox 2">
+            <a:extLst>
+              <a:ext uri="{FF2B5EF4-FFF2-40B4-BE49-F238E27FC236}">
+                <a16:creationId xmlns:a16="http://schemas.microsoft.com/office/drawing/2014/main" id="{BAE7179B-6890-8F2D-7FDD-4D38FD76E173}"/>
+              </a:ext>
+            </a:extLst>
+          </p:cNvPr>
+          <p:cNvSpPr txBox="1"/>
+          <p:nvPr/>
+        </p:nvSpPr>
+        <p:spPr>
+          <a:xfrm>
+            <a:off x="676340" y="552168"/>
+            <a:ext cx="6798657" cy="584775"/>
+          </a:xfrm>
+          <a:prstGeom prst="rect">
+            <a:avLst/>
+          </a:prstGeom>
+          <a:noFill/>
+        </p:spPr>
+        <p:txBody>
+          <a:bodyPr wrap="square" rtlCol="0">
+            <a:spAutoFit/>
+          </a:bodyPr>
+          <a:lstStyle/>
+          <a:p>
+            <a:pPr>
+              <a:lnSpc>
+                <a:spcPct val="100000"/>
+              </a:lnSpc>
+            </a:pPr>
+            <a:r>
+              <a:rPr lang="en-IN" sz="3200" b="0" strike="noStrike" spc="-1" dirty="0">
+                <a:solidFill>
+                  <a:srgbClr val="FFFFFF"/>
+                </a:solidFill>
+                <a:latin typeface="Rockwell"/>
+              </a:rPr>
+              <a:t>Comparisons Between Simulations</a:t>
+            </a:r>
+            <a:endParaRPr lang="en-IN" sz="3200" b="0" strike="noStrike" spc="-1" dirty="0">
+              <a:latin typeface="Arial"/>
+            </a:endParaRPr>
+          </a:p>
+        </p:txBody>
+      </p:sp>
+      <p:sp>
+        <p:nvSpPr>
+          <p:cNvPr id="6" name="TextBox 5">
+            <a:extLst>
+              <a:ext uri="{FF2B5EF4-FFF2-40B4-BE49-F238E27FC236}">
+                <a16:creationId xmlns:a16="http://schemas.microsoft.com/office/drawing/2014/main" id="{828EA9EF-BED4-2555-C301-1152F34B4599}"/>
+              </a:ext>
+            </a:extLst>
+          </p:cNvPr>
+          <p:cNvSpPr txBox="1"/>
+          <p:nvPr/>
+        </p:nvSpPr>
+        <p:spPr>
+          <a:xfrm>
+            <a:off x="676340" y="1334883"/>
+            <a:ext cx="11352903" cy="4216539"/>
+          </a:xfrm>
+          <a:prstGeom prst="rect">
+            <a:avLst/>
+          </a:prstGeom>
+          <a:noFill/>
+        </p:spPr>
+        <p:txBody>
+          <a:bodyPr wrap="square" rtlCol="0">
+            <a:spAutoFit/>
+          </a:bodyPr>
+          <a:lstStyle/>
+          <a:p>
+            <a:pPr marL="342900" indent="-342900">
+              <a:lnSpc>
+                <a:spcPct val="100000"/>
+              </a:lnSpc>
+              <a:buFont typeface="Wingdings" panose="05000000000000000000" pitchFamily="2" charset="2"/>
+              <a:buChar char="Ø"/>
+            </a:pPr>
+            <a:r>
+              <a:rPr lang="en-US" sz="2800" b="0" strike="noStrike" spc="-1" dirty="0">
+                <a:latin typeface="Arial"/>
+              </a:rPr>
+              <a:t>VQE and QPE</a:t>
+            </a:r>
+          </a:p>
+          <a:p>
+            <a:pPr>
+              <a:lnSpc>
+                <a:spcPct val="100000"/>
+              </a:lnSpc>
+            </a:pPr>
+            <a:endParaRPr lang="en-US" sz="2400" b="0" strike="noStrike" spc="-1" dirty="0">
+              <a:latin typeface="Arial"/>
+            </a:endParaRPr>
+          </a:p>
+          <a:p>
+            <a:pPr marL="800100" lvl="1" indent="-342900">
+              <a:buFont typeface="Wingdings" panose="05000000000000000000" pitchFamily="2" charset="2"/>
+              <a:buChar char="ü"/>
+            </a:pPr>
+            <a:r>
+              <a:rPr lang="en-US" sz="2400" b="0" strike="noStrike" spc="-1" dirty="0">
+                <a:latin typeface="Arial"/>
+              </a:rPr>
+              <a:t>VQE is used for finding the ground state energy of a quantum system, while QPE is used for estimating the phase of an eigenvalue of a unitary operator.</a:t>
+            </a:r>
+          </a:p>
+          <a:p>
+            <a:pPr marL="800100" lvl="1" indent="-342900">
+              <a:buFont typeface="Wingdings" panose="05000000000000000000" pitchFamily="2" charset="2"/>
+              <a:buChar char="ü"/>
+            </a:pPr>
+            <a:endParaRPr lang="en-US" sz="2400" b="0" strike="noStrike" spc="-1" dirty="0">
+              <a:latin typeface="Arial"/>
+            </a:endParaRPr>
+          </a:p>
+          <a:p>
+            <a:pPr marL="800100" lvl="1" indent="-342900">
+              <a:buFont typeface="Wingdings" panose="05000000000000000000" pitchFamily="2" charset="2"/>
+              <a:buChar char="ü"/>
+            </a:pPr>
+            <a:r>
+              <a:rPr lang="en-US" sz="2400" b="0" strike="noStrike" spc="-1" dirty="0">
+                <a:latin typeface="Arial"/>
+              </a:rPr>
+              <a:t>VQE uses a parametrized quantum circuit and classical optimization techniques, while QPE relies on quantum circuitry to estimate the phase of an eigenvalue.</a:t>
+            </a:r>
+          </a:p>
+          <a:p>
+            <a:pPr marL="800100" lvl="1" indent="-342900">
+              <a:buFont typeface="Wingdings" panose="05000000000000000000" pitchFamily="2" charset="2"/>
+              <a:buChar char="ü"/>
+            </a:pPr>
+            <a:endParaRPr lang="en-US" sz="2400" b="0" strike="noStrike" spc="-1" dirty="0">
+              <a:latin typeface="Arial"/>
+            </a:endParaRPr>
+          </a:p>
+          <a:p>
+            <a:pPr marL="800100" lvl="1" indent="-342900">
+              <a:buFont typeface="Wingdings" panose="05000000000000000000" pitchFamily="2" charset="2"/>
+              <a:buChar char="ü"/>
+            </a:pPr>
+            <a:r>
+              <a:rPr lang="en-US" sz="2400" b="0" strike="noStrike" spc="-1" dirty="0">
+                <a:latin typeface="Arial"/>
+              </a:rPr>
+              <a:t>VQE can be used in conjunction with QPE to prepare initial states for VQE optimization, which can help in obtaining more accurate results.</a:t>
+            </a:r>
+            <a:endParaRPr lang="en-IN" sz="2400" b="0" strike="noStrike" spc="-1" dirty="0">
+              <a:latin typeface="Arial"/>
+            </a:endParaRPr>
+          </a:p>
+        </p:txBody>
+      </p:sp>
+    </p:spTree>
+    <p:extLst>
+      <p:ext uri="{BB962C8B-B14F-4D97-AF65-F5344CB8AC3E}">
+        <p14:creationId xmlns:p14="http://schemas.microsoft.com/office/powerpoint/2010/main" val="2622308705"/>
+      </p:ext>
+    </p:extLst>
+  </p:cSld>
+  <p:clrMapOvr>
+    <a:masterClrMapping/>
+  </p:clrMapOvr>
+</p:sld>
+</file>
+
+<file path=ppt/slides/slide12.xml><?xml version="1.0" encoding="utf-8"?>
+<p:sld xmlns:a="http://schemas.openxmlformats.org/drawingml/2006/main" xmlns:r="http://schemas.openxmlformats.org/officeDocument/2006/relationships" xmlns:p="http://schemas.openxmlformats.org/presentationml/2006/main">
+  <p:cSld>
+    <p:spTree>
+      <p:nvGrpSpPr>
+        <p:cNvPr id="1" name=""/>
+        <p:cNvGrpSpPr/>
+        <p:nvPr/>
+      </p:nvGrpSpPr>
+      <p:grpSpPr>
+        <a:xfrm>
+          <a:off x="0" y="0"/>
+          <a:ext cx="0" cy="0"/>
+          <a:chOff x="0" y="0"/>
+          <a:chExt cx="0" cy="0"/>
+        </a:xfrm>
+      </p:grpSpPr>
+      <p:sp>
+        <p:nvSpPr>
+          <p:cNvPr id="6" name="TextBox 5">
+            <a:extLst>
+              <a:ext uri="{FF2B5EF4-FFF2-40B4-BE49-F238E27FC236}">
+                <a16:creationId xmlns:a16="http://schemas.microsoft.com/office/drawing/2014/main" id="{828EA9EF-BED4-2555-C301-1152F34B4599}"/>
+              </a:ext>
+            </a:extLst>
+          </p:cNvPr>
+          <p:cNvSpPr txBox="1"/>
+          <p:nvPr/>
+        </p:nvSpPr>
+        <p:spPr>
+          <a:xfrm>
+            <a:off x="587563" y="757834"/>
+            <a:ext cx="11352903" cy="4955203"/>
+          </a:xfrm>
+          <a:prstGeom prst="rect">
+            <a:avLst/>
+          </a:prstGeom>
+          <a:noFill/>
+        </p:spPr>
+        <p:txBody>
+          <a:bodyPr wrap="square" rtlCol="0">
+            <a:spAutoFit/>
+          </a:bodyPr>
+          <a:lstStyle/>
+          <a:p>
+            <a:pPr marL="342900" indent="-342900">
+              <a:lnSpc>
+                <a:spcPct val="100000"/>
+              </a:lnSpc>
+              <a:buFont typeface="Wingdings" panose="05000000000000000000" pitchFamily="2" charset="2"/>
+              <a:buChar char="Ø"/>
+            </a:pPr>
+            <a:r>
+              <a:rPr lang="en-US" sz="2800" b="0" strike="noStrike" spc="-1" dirty="0">
+                <a:latin typeface="Arial"/>
+              </a:rPr>
+              <a:t>QMC and Quantum Walk</a:t>
+            </a:r>
+          </a:p>
+          <a:p>
+            <a:pPr>
+              <a:lnSpc>
+                <a:spcPct val="100000"/>
+              </a:lnSpc>
+            </a:pPr>
+            <a:endParaRPr lang="en-US" sz="2400" b="0" strike="noStrike" spc="-1" dirty="0">
+              <a:latin typeface="Arial"/>
+            </a:endParaRPr>
+          </a:p>
+          <a:p>
+            <a:pPr marL="800100" lvl="1" indent="-342900">
+              <a:buFont typeface="Wingdings" panose="05000000000000000000" pitchFamily="2" charset="2"/>
+              <a:buChar char="ü"/>
+            </a:pPr>
+            <a:r>
+              <a:rPr lang="en-US" sz="2400" b="0" strike="noStrike" spc="-1" dirty="0">
+                <a:latin typeface="Arial"/>
+              </a:rPr>
+              <a:t>QMC is a simulation-based method that uses classical Monte Carlo techniques to estimate properties of quantum systems, while Quantum Walk is a quantum algorithm used for searching, graph problems, and simulation tasks.</a:t>
+            </a:r>
+          </a:p>
+          <a:p>
+            <a:pPr marL="800100" lvl="1" indent="-342900">
+              <a:buFont typeface="Wingdings" panose="05000000000000000000" pitchFamily="2" charset="2"/>
+              <a:buChar char="ü"/>
+            </a:pPr>
+            <a:endParaRPr lang="en-US" sz="2400" b="0" strike="noStrike" spc="-1" dirty="0">
+              <a:latin typeface="Arial"/>
+            </a:endParaRPr>
+          </a:p>
+          <a:p>
+            <a:pPr marL="800100" lvl="1" indent="-342900">
+              <a:buFont typeface="Wingdings" panose="05000000000000000000" pitchFamily="2" charset="2"/>
+              <a:buChar char="ü"/>
+            </a:pPr>
+            <a:r>
+              <a:rPr lang="en-US" sz="2400" b="0" strike="noStrike" spc="-1" dirty="0">
+                <a:latin typeface="Arial"/>
+              </a:rPr>
+              <a:t>QMC can be implemented on classical computers, while Quantum Walk requires quantum computers to exploit the quantum properties of quantum walks.</a:t>
+            </a:r>
+          </a:p>
+          <a:p>
+            <a:pPr marL="800100" lvl="1" indent="-342900">
+              <a:buFont typeface="Wingdings" panose="05000000000000000000" pitchFamily="2" charset="2"/>
+              <a:buChar char="ü"/>
+            </a:pPr>
+            <a:endParaRPr lang="en-US" sz="2400" b="0" strike="noStrike" spc="-1" dirty="0">
+              <a:latin typeface="Arial"/>
+            </a:endParaRPr>
+          </a:p>
+          <a:p>
+            <a:pPr marL="800100" lvl="1" indent="-342900">
+              <a:buFont typeface="Wingdings" panose="05000000000000000000" pitchFamily="2" charset="2"/>
+              <a:buChar char="ü"/>
+            </a:pPr>
+            <a:r>
+              <a:rPr lang="en-US" sz="2400" b="0" strike="noStrike" spc="-1" dirty="0">
+                <a:latin typeface="Arial"/>
+              </a:rPr>
+              <a:t>QMC typically involves classical random sampling, while Quantum Walks involve quantum interference and evolution.</a:t>
+            </a:r>
+            <a:endParaRPr lang="en-IN" sz="2400" b="0" strike="noStrike" spc="-1" dirty="0">
+              <a:latin typeface="Arial"/>
+            </a:endParaRPr>
+          </a:p>
+        </p:txBody>
+      </p:sp>
+    </p:spTree>
+    <p:extLst>
+      <p:ext uri="{BB962C8B-B14F-4D97-AF65-F5344CB8AC3E}">
+        <p14:creationId xmlns:p14="http://schemas.microsoft.com/office/powerpoint/2010/main" val="3132010577"/>
+      </p:ext>
+    </p:extLst>
+  </p:cSld>
+  <p:clrMapOvr>
+    <a:masterClrMapping/>
+  </p:clrMapOvr>
+</p:sld>
+</file>
+
+<file path=ppt/slides/slide13.xml><?xml version="1.0" encoding="utf-8"?>
+<p:sld xmlns:a="http://schemas.openxmlformats.org/drawingml/2006/main" xmlns:r="http://schemas.openxmlformats.org/officeDocument/2006/relationships" xmlns:p="http://schemas.openxmlformats.org/presentationml/2006/main">
+  <p:cSld>
+    <p:spTree>
+      <p:nvGrpSpPr>
+        <p:cNvPr id="1" name=""/>
+        <p:cNvGrpSpPr/>
+        <p:nvPr/>
+      </p:nvGrpSpPr>
+      <p:grpSpPr>
+        <a:xfrm>
+          <a:off x="0" y="0"/>
+          <a:ext cx="0" cy="0"/>
+          <a:chOff x="0" y="0"/>
+          <a:chExt cx="0" cy="0"/>
+        </a:xfrm>
+      </p:grpSpPr>
+      <p:sp>
+        <p:nvSpPr>
+          <p:cNvPr id="6" name="TextBox 5">
+            <a:extLst>
+              <a:ext uri="{FF2B5EF4-FFF2-40B4-BE49-F238E27FC236}">
+                <a16:creationId xmlns:a16="http://schemas.microsoft.com/office/drawing/2014/main" id="{828EA9EF-BED4-2555-C301-1152F34B4599}"/>
+              </a:ext>
+            </a:extLst>
+          </p:cNvPr>
+          <p:cNvSpPr txBox="1"/>
+          <p:nvPr/>
+        </p:nvSpPr>
+        <p:spPr>
+          <a:xfrm>
+            <a:off x="587563" y="757834"/>
+            <a:ext cx="11352903" cy="4955203"/>
+          </a:xfrm>
+          <a:prstGeom prst="rect">
+            <a:avLst/>
+          </a:prstGeom>
+          <a:noFill/>
+        </p:spPr>
+        <p:txBody>
+          <a:bodyPr wrap="square" rtlCol="0">
+            <a:spAutoFit/>
+          </a:bodyPr>
+          <a:lstStyle/>
+          <a:p>
+            <a:pPr marL="342900" indent="-342900">
+              <a:lnSpc>
+                <a:spcPct val="100000"/>
+              </a:lnSpc>
+              <a:buFont typeface="Wingdings" panose="05000000000000000000" pitchFamily="2" charset="2"/>
+              <a:buChar char="Ø"/>
+            </a:pPr>
+            <a:r>
+              <a:rPr lang="en-US" sz="2800" b="0" strike="noStrike" spc="-1" dirty="0">
+                <a:latin typeface="Arial"/>
+              </a:rPr>
+              <a:t>QFT and QAE</a:t>
+            </a:r>
+            <a:endParaRPr lang="en-US" sz="2400" b="0" strike="noStrike" spc="-1" dirty="0">
+              <a:latin typeface="Arial"/>
+            </a:endParaRPr>
+          </a:p>
+          <a:p>
+            <a:pPr marL="800100" lvl="1" indent="-342900">
+              <a:buFont typeface="Wingdings" panose="05000000000000000000" pitchFamily="2" charset="2"/>
+              <a:buChar char="ü"/>
+            </a:pPr>
+            <a:endParaRPr lang="en-US" sz="2400" b="0" strike="noStrike" spc="-1" dirty="0">
+              <a:latin typeface="Arial"/>
+            </a:endParaRPr>
+          </a:p>
+          <a:p>
+            <a:pPr marL="800100" lvl="1" indent="-342900">
+              <a:buFont typeface="Wingdings" panose="05000000000000000000" pitchFamily="2" charset="2"/>
+              <a:buChar char="ü"/>
+            </a:pPr>
+            <a:r>
+              <a:rPr lang="en-US" sz="2400" b="0" strike="noStrike" spc="-1" dirty="0">
+                <a:latin typeface="Arial"/>
+              </a:rPr>
+              <a:t>QFT is a quantum algorithm used for transforming a quantum state from the computational basis to the Fourier basis, which has applications in many areas of quantum computing.</a:t>
+            </a:r>
+          </a:p>
+          <a:p>
+            <a:pPr marL="800100" lvl="1" indent="-342900">
+              <a:buFont typeface="Wingdings" panose="05000000000000000000" pitchFamily="2" charset="2"/>
+              <a:buChar char="ü"/>
+            </a:pPr>
+            <a:endParaRPr lang="en-US" sz="2400" b="0" strike="noStrike" spc="-1" dirty="0">
+              <a:latin typeface="Arial"/>
+            </a:endParaRPr>
+          </a:p>
+          <a:p>
+            <a:pPr marL="800100" lvl="1" indent="-342900">
+              <a:buFont typeface="Wingdings" panose="05000000000000000000" pitchFamily="2" charset="2"/>
+              <a:buChar char="ü"/>
+            </a:pPr>
+            <a:r>
+              <a:rPr lang="en-US" sz="2400" b="0" strike="noStrike" spc="-1" dirty="0">
+                <a:latin typeface="Arial"/>
+              </a:rPr>
+              <a:t>QAE is a quantum algorithm used for estimating the amplitude of a marked state in a quantum superposition, which has applications in quantum search algorithms and quantum machine learning.</a:t>
+            </a:r>
+          </a:p>
+          <a:p>
+            <a:pPr marL="800100" lvl="1" indent="-342900">
+              <a:buFont typeface="Wingdings" panose="05000000000000000000" pitchFamily="2" charset="2"/>
+              <a:buChar char="ü"/>
+            </a:pPr>
+            <a:endParaRPr lang="en-US" sz="2400" b="0" strike="noStrike" spc="-1" dirty="0">
+              <a:latin typeface="Arial"/>
+            </a:endParaRPr>
+          </a:p>
+          <a:p>
+            <a:pPr marL="800100" lvl="1" indent="-342900">
+              <a:buFont typeface="Wingdings" panose="05000000000000000000" pitchFamily="2" charset="2"/>
+              <a:buChar char="ü"/>
+            </a:pPr>
+            <a:r>
+              <a:rPr lang="en-US" sz="2400" b="0" strike="noStrike" spc="-1" dirty="0">
+                <a:latin typeface="Arial"/>
+              </a:rPr>
+              <a:t>QFT and QAE have different underlying principles and implementations, with QFT focused on transforming quantum states and QAE focused on amplitude estimation.</a:t>
+            </a:r>
+            <a:endParaRPr lang="en-IN" sz="2400" b="0" strike="noStrike" spc="-1" dirty="0">
+              <a:latin typeface="Arial"/>
+            </a:endParaRPr>
+          </a:p>
+        </p:txBody>
+      </p:sp>
+    </p:spTree>
+    <p:extLst>
+      <p:ext uri="{BB962C8B-B14F-4D97-AF65-F5344CB8AC3E}">
+        <p14:creationId xmlns:p14="http://schemas.microsoft.com/office/powerpoint/2010/main" val="999806010"/>
+      </p:ext>
+    </p:extLst>
+  </p:cSld>
+  <p:clrMapOvr>
+    <a:masterClrMapping/>
+  </p:clrMapOvr>
+</p:sld>
+</file>
+
+<file path=ppt/slides/slide14.xml><?xml version="1.0" encoding="utf-8"?>
+<p:sld xmlns:a="http://schemas.openxmlformats.org/drawingml/2006/main" xmlns:r="http://schemas.openxmlformats.org/officeDocument/2006/relationships" xmlns:p="http://schemas.openxmlformats.org/presentationml/2006/main">
+  <p:cSld>
+    <p:spTree>
+      <p:nvGrpSpPr>
+        <p:cNvPr id="1" name=""/>
+        <p:cNvGrpSpPr/>
+        <p:nvPr/>
+      </p:nvGrpSpPr>
+      <p:grpSpPr>
+        <a:xfrm>
+          <a:off x="0" y="0"/>
+          <a:ext cx="0" cy="0"/>
+          <a:chOff x="0" y="0"/>
+          <a:chExt cx="0" cy="0"/>
+        </a:xfrm>
+      </p:grpSpPr>
+      <p:sp>
+        <p:nvSpPr>
+          <p:cNvPr id="6" name="TextBox 5">
+            <a:extLst>
+              <a:ext uri="{FF2B5EF4-FFF2-40B4-BE49-F238E27FC236}">
+                <a16:creationId xmlns:a16="http://schemas.microsoft.com/office/drawing/2014/main" id="{828EA9EF-BED4-2555-C301-1152F34B4599}"/>
+              </a:ext>
+            </a:extLst>
+          </p:cNvPr>
+          <p:cNvSpPr txBox="1"/>
+          <p:nvPr/>
+        </p:nvSpPr>
+        <p:spPr>
+          <a:xfrm>
+            <a:off x="587563" y="757834"/>
+            <a:ext cx="11352903" cy="5324535"/>
+          </a:xfrm>
+          <a:prstGeom prst="rect">
+            <a:avLst/>
+          </a:prstGeom>
+          <a:noFill/>
+        </p:spPr>
+        <p:txBody>
+          <a:bodyPr wrap="square" rtlCol="0">
+            <a:spAutoFit/>
+          </a:bodyPr>
+          <a:lstStyle/>
+          <a:p>
+            <a:pPr marL="342900" indent="-342900">
+              <a:lnSpc>
+                <a:spcPct val="100000"/>
+              </a:lnSpc>
+              <a:buFont typeface="Wingdings" panose="05000000000000000000" pitchFamily="2" charset="2"/>
+              <a:buChar char="Ø"/>
+            </a:pPr>
+            <a:r>
+              <a:rPr lang="en-US" sz="2800" b="0" strike="noStrike" spc="-1" dirty="0">
+                <a:latin typeface="Arial"/>
+              </a:rPr>
+              <a:t>QT and QEC</a:t>
+            </a:r>
+          </a:p>
+          <a:p>
+            <a:pPr>
+              <a:lnSpc>
+                <a:spcPct val="100000"/>
+              </a:lnSpc>
+            </a:pPr>
+            <a:endParaRPr lang="en-US" sz="2400" b="0" strike="noStrike" spc="-1" dirty="0">
+              <a:latin typeface="Arial"/>
+            </a:endParaRPr>
+          </a:p>
+          <a:p>
+            <a:pPr marL="800100" lvl="1" indent="-342900">
+              <a:buFont typeface="Wingdings" panose="05000000000000000000" pitchFamily="2" charset="2"/>
+              <a:buChar char="ü"/>
+            </a:pPr>
+            <a:r>
+              <a:rPr lang="en-US" sz="2400" b="0" strike="noStrike" spc="-1" dirty="0">
+                <a:latin typeface="Arial"/>
+              </a:rPr>
+              <a:t>QT and QEC are both quantum algorithms, but they have different goals and implementations.</a:t>
+            </a:r>
+          </a:p>
+          <a:p>
+            <a:pPr marL="800100" lvl="1" indent="-342900">
+              <a:buFont typeface="Wingdings" panose="05000000000000000000" pitchFamily="2" charset="2"/>
+              <a:buChar char="ü"/>
+            </a:pPr>
+            <a:endParaRPr lang="en-US" sz="2400" b="0" strike="noStrike" spc="-1" dirty="0">
+              <a:latin typeface="Arial"/>
+            </a:endParaRPr>
+          </a:p>
+          <a:p>
+            <a:pPr marL="800100" lvl="1" indent="-342900">
+              <a:buFont typeface="Wingdings" panose="05000000000000000000" pitchFamily="2" charset="2"/>
+              <a:buChar char="ü"/>
+            </a:pPr>
+            <a:r>
+              <a:rPr lang="en-US" sz="2400" b="0" strike="noStrike" spc="-1" dirty="0">
+                <a:latin typeface="Arial"/>
+              </a:rPr>
+              <a:t>QT is a quantum protocol used for transferring the quantum state of one qubit to another qubit, using entanglement and classical communication.</a:t>
+            </a:r>
+          </a:p>
+          <a:p>
+            <a:pPr marL="800100" lvl="1" indent="-342900">
+              <a:buFont typeface="Wingdings" panose="05000000000000000000" pitchFamily="2" charset="2"/>
+              <a:buChar char="ü"/>
+            </a:pPr>
+            <a:endParaRPr lang="en-US" sz="2400" b="0" strike="noStrike" spc="-1" dirty="0">
+              <a:latin typeface="Arial"/>
+            </a:endParaRPr>
+          </a:p>
+          <a:p>
+            <a:pPr marL="800100" lvl="1" indent="-342900">
+              <a:buFont typeface="Wingdings" panose="05000000000000000000" pitchFamily="2" charset="2"/>
+              <a:buChar char="ü"/>
+            </a:pPr>
+            <a:r>
+              <a:rPr lang="en-US" sz="2400" b="0" strike="noStrike" spc="-1" dirty="0">
+                <a:latin typeface="Arial"/>
+              </a:rPr>
+              <a:t>QEC is used for protecting quantum states from decoherence and errors caused by the environment, using error-correcting codes and quantum gates to detect and correct errors.</a:t>
+            </a:r>
+          </a:p>
+          <a:p>
+            <a:pPr marL="800100" lvl="1" indent="-342900">
+              <a:buFont typeface="Wingdings" panose="05000000000000000000" pitchFamily="2" charset="2"/>
+              <a:buChar char="ü"/>
+            </a:pPr>
+            <a:endParaRPr lang="en-US" sz="2400" b="0" strike="noStrike" spc="-1" dirty="0">
+              <a:latin typeface="Arial"/>
+            </a:endParaRPr>
+          </a:p>
+          <a:p>
+            <a:pPr marL="800100" lvl="1" indent="-342900">
+              <a:buFont typeface="Wingdings" panose="05000000000000000000" pitchFamily="2" charset="2"/>
+              <a:buChar char="ü"/>
+            </a:pPr>
+            <a:r>
+              <a:rPr lang="en-US" sz="2400" b="0" strike="noStrike" spc="-1" dirty="0">
+                <a:latin typeface="Arial"/>
+              </a:rPr>
+              <a:t>QT and QEC are used in different contexts, with QT focused on state transfer and QEC focused on error mitigation.</a:t>
+            </a:r>
+            <a:endParaRPr lang="en-IN" sz="2400" b="0" strike="noStrike" spc="-1" dirty="0">
+              <a:latin typeface="Arial"/>
+            </a:endParaRPr>
+          </a:p>
+        </p:txBody>
+      </p:sp>
+    </p:spTree>
+    <p:extLst>
+      <p:ext uri="{BB962C8B-B14F-4D97-AF65-F5344CB8AC3E}">
+        <p14:creationId xmlns:p14="http://schemas.microsoft.com/office/powerpoint/2010/main" val="3140310023"/>
+      </p:ext>
+    </p:extLst>
+  </p:cSld>
+  <p:clrMapOvr>
+    <a:masterClrMapping/>
+  </p:clrMapOvr>
+</p:sld>
+</file>
+
+<file path=ppt/slides/slide15.xml><?xml version="1.0" encoding="utf-8"?>
+<p:sld xmlns:a="http://schemas.openxmlformats.org/drawingml/2006/main" xmlns:r="http://schemas.openxmlformats.org/officeDocument/2006/relationships" xmlns:p="http://schemas.openxmlformats.org/presentationml/2006/main">
+  <p:cSld>
+    <p:spTree>
+      <p:nvGrpSpPr>
+        <p:cNvPr id="1" name=""/>
+        <p:cNvGrpSpPr/>
+        <p:nvPr/>
+      </p:nvGrpSpPr>
+      <p:grpSpPr>
+        <a:xfrm>
+          <a:off x="0" y="0"/>
+          <a:ext cx="0" cy="0"/>
+          <a:chOff x="0" y="0"/>
+          <a:chExt cx="0" cy="0"/>
+        </a:xfrm>
+      </p:grpSpPr>
+      <p:sp>
+        <p:nvSpPr>
+          <p:cNvPr id="6" name="TextBox 5">
+            <a:extLst>
+              <a:ext uri="{FF2B5EF4-FFF2-40B4-BE49-F238E27FC236}">
+                <a16:creationId xmlns:a16="http://schemas.microsoft.com/office/drawing/2014/main" id="{828EA9EF-BED4-2555-C301-1152F34B4599}"/>
+              </a:ext>
+            </a:extLst>
+          </p:cNvPr>
+          <p:cNvSpPr txBox="1"/>
+          <p:nvPr/>
+        </p:nvSpPr>
+        <p:spPr>
+          <a:xfrm>
+            <a:off x="587563" y="757834"/>
+            <a:ext cx="11352903" cy="5324535"/>
+          </a:xfrm>
+          <a:prstGeom prst="rect">
+            <a:avLst/>
+          </a:prstGeom>
+          <a:noFill/>
+        </p:spPr>
+        <p:txBody>
+          <a:bodyPr wrap="square" rtlCol="0">
+            <a:spAutoFit/>
+          </a:bodyPr>
+          <a:lstStyle/>
+          <a:p>
+            <a:pPr marL="342900" indent="-342900">
+              <a:lnSpc>
+                <a:spcPct val="100000"/>
+              </a:lnSpc>
+              <a:buFont typeface="Wingdings" panose="05000000000000000000" pitchFamily="2" charset="2"/>
+              <a:buChar char="Ø"/>
+            </a:pPr>
+            <a:r>
+              <a:rPr lang="en-US" sz="2800" spc="-1" dirty="0">
+                <a:latin typeface="Arial"/>
+              </a:rPr>
+              <a:t>QAOA and QPE</a:t>
+            </a:r>
+            <a:endParaRPr lang="en-US" sz="2800" b="0" strike="noStrike" spc="-1" dirty="0">
+              <a:latin typeface="Arial"/>
+            </a:endParaRPr>
+          </a:p>
+          <a:p>
+            <a:pPr>
+              <a:lnSpc>
+                <a:spcPct val="100000"/>
+              </a:lnSpc>
+            </a:pPr>
+            <a:endParaRPr lang="en-US" sz="2400" b="0" strike="noStrike" spc="-1" dirty="0">
+              <a:latin typeface="Arial"/>
+            </a:endParaRPr>
+          </a:p>
+          <a:p>
+            <a:pPr marL="800100" lvl="1" indent="-342900">
+              <a:buFont typeface="Wingdings" panose="05000000000000000000" pitchFamily="2" charset="2"/>
+              <a:buChar char="ü"/>
+            </a:pPr>
+            <a:r>
+              <a:rPr lang="en-US" sz="2400" b="0" strike="noStrike" spc="-1" dirty="0">
+                <a:latin typeface="Arial"/>
+              </a:rPr>
+              <a:t>QAOA and QPE are both quantum algorithms used for estimating quantities related to quantum systems.</a:t>
+            </a:r>
+          </a:p>
+          <a:p>
+            <a:pPr marL="800100" lvl="1" indent="-342900">
+              <a:buFont typeface="Wingdings" panose="05000000000000000000" pitchFamily="2" charset="2"/>
+              <a:buChar char="ü"/>
+            </a:pPr>
+            <a:endParaRPr lang="en-US" sz="2400" b="0" strike="noStrike" spc="-1" dirty="0">
+              <a:latin typeface="Arial"/>
+            </a:endParaRPr>
+          </a:p>
+          <a:p>
+            <a:pPr marL="800100" lvl="1" indent="-342900">
+              <a:buFont typeface="Wingdings" panose="05000000000000000000" pitchFamily="2" charset="2"/>
+              <a:buChar char="ü"/>
+            </a:pPr>
+            <a:r>
+              <a:rPr lang="en-US" sz="2400" b="0" strike="noStrike" spc="-1" dirty="0">
+                <a:latin typeface="Arial"/>
+              </a:rPr>
+              <a:t>QAOA is used for solving combinatorial optimization problems, while QPE is used for estimating the phase of an eigenvalue of a unitary operator.</a:t>
+            </a:r>
+          </a:p>
+          <a:p>
+            <a:pPr marL="800100" lvl="1" indent="-342900">
+              <a:buFont typeface="Wingdings" panose="05000000000000000000" pitchFamily="2" charset="2"/>
+              <a:buChar char="ü"/>
+            </a:pPr>
+            <a:endParaRPr lang="en-US" sz="2400" b="0" strike="noStrike" spc="-1" dirty="0">
+              <a:latin typeface="Arial"/>
+            </a:endParaRPr>
+          </a:p>
+          <a:p>
+            <a:pPr marL="800100" lvl="1" indent="-342900">
+              <a:buFont typeface="Wingdings" panose="05000000000000000000" pitchFamily="2" charset="2"/>
+              <a:buChar char="ü"/>
+            </a:pPr>
+            <a:r>
+              <a:rPr lang="en-US" sz="2400" b="0" strike="noStrike" spc="-1" dirty="0">
+                <a:latin typeface="Arial"/>
+              </a:rPr>
+              <a:t>QAOA uses a parametrized quantum circuit with a specific structure known as a QAOA ansatz, while QPE relies on quantum circuitry to estimate the phase of an eigenvalue.</a:t>
+            </a:r>
+          </a:p>
+          <a:p>
+            <a:pPr marL="800100" lvl="1" indent="-342900">
+              <a:buFont typeface="Wingdings" panose="05000000000000000000" pitchFamily="2" charset="2"/>
+              <a:buChar char="ü"/>
+            </a:pPr>
+            <a:endParaRPr lang="en-US" sz="2400" b="0" strike="noStrike" spc="-1" dirty="0">
+              <a:latin typeface="Arial"/>
+            </a:endParaRPr>
+          </a:p>
+          <a:p>
+            <a:pPr marL="800100" lvl="1" indent="-342900">
+              <a:buFont typeface="Wingdings" panose="05000000000000000000" pitchFamily="2" charset="2"/>
+              <a:buChar char="ü"/>
+            </a:pPr>
+            <a:r>
+              <a:rPr lang="en-US" sz="2400" b="0" strike="noStrike" spc="-1" dirty="0">
+                <a:latin typeface="Arial"/>
+              </a:rPr>
+              <a:t>Both QAOA and QPE require classical optimization techniques to find optimal parameters or estimates.</a:t>
+            </a:r>
+            <a:endParaRPr lang="en-IN" sz="2400" b="0" strike="noStrike" spc="-1" dirty="0">
+              <a:latin typeface="Arial"/>
+            </a:endParaRPr>
+          </a:p>
+        </p:txBody>
+      </p:sp>
+    </p:spTree>
+    <p:extLst>
+      <p:ext uri="{BB962C8B-B14F-4D97-AF65-F5344CB8AC3E}">
+        <p14:creationId xmlns:p14="http://schemas.microsoft.com/office/powerpoint/2010/main" val="3312933544"/>
+      </p:ext>
+    </p:extLst>
+  </p:cSld>
+  <p:clrMapOvr>
+    <a:masterClrMapping/>
+  </p:clrMapOvr>
+</p:sld>
+</file>
+
+<file path=ppt/slides/slide16.xml><?xml version="1.0" encoding="utf-8"?>
+<p:sld xmlns:a="http://schemas.openxmlformats.org/drawingml/2006/main" xmlns:r="http://schemas.openxmlformats.org/officeDocument/2006/relationships" xmlns:p="http://schemas.openxmlformats.org/presentationml/2006/main">
+  <p:cSld>
+    <p:spTree>
+      <p:nvGrpSpPr>
+        <p:cNvPr id="1" name=""/>
+        <p:cNvGrpSpPr/>
+        <p:nvPr/>
+      </p:nvGrpSpPr>
+      <p:grpSpPr>
+        <a:xfrm>
+          <a:off x="0" y="0"/>
+          <a:ext cx="0" cy="0"/>
+          <a:chOff x="0" y="0"/>
+          <a:chExt cx="0" cy="0"/>
+        </a:xfrm>
+      </p:grpSpPr>
+      <p:sp>
+        <p:nvSpPr>
+          <p:cNvPr id="6" name="TextBox 5">
+            <a:extLst>
+              <a:ext uri="{FF2B5EF4-FFF2-40B4-BE49-F238E27FC236}">
+                <a16:creationId xmlns:a16="http://schemas.microsoft.com/office/drawing/2014/main" id="{828EA9EF-BED4-2555-C301-1152F34B4599}"/>
+              </a:ext>
+            </a:extLst>
+          </p:cNvPr>
+          <p:cNvSpPr txBox="1"/>
+          <p:nvPr/>
+        </p:nvSpPr>
+        <p:spPr>
+          <a:xfrm>
+            <a:off x="587563" y="757834"/>
+            <a:ext cx="11352903" cy="4585871"/>
+          </a:xfrm>
+          <a:prstGeom prst="rect">
+            <a:avLst/>
+          </a:prstGeom>
+          <a:noFill/>
+        </p:spPr>
+        <p:txBody>
+          <a:bodyPr wrap="square" rtlCol="0">
+            <a:spAutoFit/>
+          </a:bodyPr>
+          <a:lstStyle/>
+          <a:p>
+            <a:pPr marL="342900" indent="-342900">
+              <a:lnSpc>
+                <a:spcPct val="100000"/>
+              </a:lnSpc>
+              <a:buFont typeface="Wingdings" panose="05000000000000000000" pitchFamily="2" charset="2"/>
+              <a:buChar char="Ø"/>
+            </a:pPr>
+            <a:r>
+              <a:rPr lang="en-US" sz="2800" spc="-1" dirty="0">
+                <a:latin typeface="Arial"/>
+              </a:rPr>
+              <a:t>Q</a:t>
+            </a:r>
+            <a:r>
+              <a:rPr lang="en-US" sz="2800" b="0" strike="noStrike" spc="-1" dirty="0">
+                <a:latin typeface="Arial"/>
+              </a:rPr>
+              <a:t>AE and QT</a:t>
+            </a:r>
+          </a:p>
+          <a:p>
+            <a:pPr>
+              <a:lnSpc>
+                <a:spcPct val="100000"/>
+              </a:lnSpc>
+            </a:pPr>
+            <a:endParaRPr lang="en-US" sz="2400" b="0" strike="noStrike" spc="-1" dirty="0">
+              <a:latin typeface="Arial"/>
+            </a:endParaRPr>
+          </a:p>
+          <a:p>
+            <a:pPr marL="800100" lvl="1" indent="-342900">
+              <a:buFont typeface="Wingdings" panose="05000000000000000000" pitchFamily="2" charset="2"/>
+              <a:buChar char="ü"/>
+            </a:pPr>
+            <a:r>
+              <a:rPr lang="en-US" sz="2400" b="0" strike="noStrike" spc="-1" dirty="0">
+                <a:latin typeface="Arial"/>
+              </a:rPr>
+              <a:t>QAE and QT are both quantum algorithms used for specific tasks in quantum computing.</a:t>
+            </a:r>
+          </a:p>
+          <a:p>
+            <a:pPr marL="800100" lvl="1" indent="-342900">
+              <a:buFont typeface="Wingdings" panose="05000000000000000000" pitchFamily="2" charset="2"/>
+              <a:buChar char="ü"/>
+            </a:pPr>
+            <a:endParaRPr lang="en-US" sz="2400" b="0" strike="noStrike" spc="-1" dirty="0">
+              <a:latin typeface="Arial"/>
+            </a:endParaRPr>
+          </a:p>
+          <a:p>
+            <a:pPr marL="800100" lvl="1" indent="-342900">
+              <a:buFont typeface="Wingdings" panose="05000000000000000000" pitchFamily="2" charset="2"/>
+              <a:buChar char="ü"/>
+            </a:pPr>
+            <a:r>
+              <a:rPr lang="en-US" sz="2400" b="0" strike="noStrike" spc="-1" dirty="0">
+                <a:latin typeface="Arial"/>
+              </a:rPr>
+              <a:t>QAE is a quantum algorithm used for estimating the amplitude of a marked state in a quantum superposition, which has applications in various quantum algorithms, including Grover's algorithm for quantum search.</a:t>
+            </a:r>
+          </a:p>
+          <a:p>
+            <a:pPr marL="800100" lvl="1" indent="-342900">
+              <a:buFont typeface="Wingdings" panose="05000000000000000000" pitchFamily="2" charset="2"/>
+              <a:buChar char="ü"/>
+            </a:pPr>
+            <a:endParaRPr lang="en-US" sz="2400" b="0" strike="noStrike" spc="-1" dirty="0">
+              <a:latin typeface="Arial"/>
+            </a:endParaRPr>
+          </a:p>
+          <a:p>
+            <a:pPr marL="800100" lvl="1" indent="-342900">
+              <a:buFont typeface="Wingdings" panose="05000000000000000000" pitchFamily="2" charset="2"/>
+              <a:buChar char="ü"/>
+            </a:pPr>
+            <a:r>
+              <a:rPr lang="en-US" sz="2400" b="0" strike="noStrike" spc="-1" dirty="0">
+                <a:latin typeface="Arial"/>
+              </a:rPr>
+              <a:t>QT is a quantum communication protocol that allows for the transfer of quantum information between two distant qubits using entanglement and classical communication.</a:t>
+            </a:r>
+            <a:endParaRPr lang="en-IN" sz="2400" b="0" strike="noStrike" spc="-1" dirty="0">
+              <a:latin typeface="Arial"/>
+            </a:endParaRPr>
+          </a:p>
+        </p:txBody>
+      </p:sp>
+    </p:spTree>
+    <p:extLst>
+      <p:ext uri="{BB962C8B-B14F-4D97-AF65-F5344CB8AC3E}">
+        <p14:creationId xmlns:p14="http://schemas.microsoft.com/office/powerpoint/2010/main" val="1671016128"/>
+      </p:ext>
+    </p:extLst>
+  </p:cSld>
+  <p:clrMapOvr>
+    <a:masterClrMapping/>
+  </p:clrMapOvr>
+</p:sld>
+</file>
+
+<file path=ppt/slides/slide17.xml><?xml version="1.0" encoding="utf-8"?>
+<p:sld xmlns:a="http://schemas.openxmlformats.org/drawingml/2006/main" xmlns:r="http://schemas.openxmlformats.org/officeDocument/2006/relationships" xmlns:p="http://schemas.openxmlformats.org/presentationml/2006/main">
+  <p:cSld>
+    <p:spTree>
+      <p:nvGrpSpPr>
+        <p:cNvPr id="1" name=""/>
+        <p:cNvGrpSpPr/>
+        <p:nvPr/>
+      </p:nvGrpSpPr>
+      <p:grpSpPr>
+        <a:xfrm>
+          <a:off x="0" y="0"/>
+          <a:ext cx="0" cy="0"/>
+          <a:chOff x="0" y="0"/>
+          <a:chExt cx="0" cy="0"/>
+        </a:xfrm>
+      </p:grpSpPr>
+      <p:sp>
+        <p:nvSpPr>
+          <p:cNvPr id="6" name="TextBox 5">
+            <a:extLst>
+              <a:ext uri="{FF2B5EF4-FFF2-40B4-BE49-F238E27FC236}">
+                <a16:creationId xmlns:a16="http://schemas.microsoft.com/office/drawing/2014/main" id="{828EA9EF-BED4-2555-C301-1152F34B4599}"/>
+              </a:ext>
+            </a:extLst>
+          </p:cNvPr>
+          <p:cNvSpPr txBox="1"/>
+          <p:nvPr/>
+        </p:nvSpPr>
+        <p:spPr>
+          <a:xfrm>
+            <a:off x="587563" y="757834"/>
+            <a:ext cx="11352903" cy="4216539"/>
+          </a:xfrm>
+          <a:prstGeom prst="rect">
+            <a:avLst/>
+          </a:prstGeom>
+          <a:noFill/>
+        </p:spPr>
+        <p:txBody>
+          <a:bodyPr wrap="square" rtlCol="0">
+            <a:spAutoFit/>
+          </a:bodyPr>
+          <a:lstStyle/>
+          <a:p>
+            <a:pPr marL="342900" indent="-342900">
+              <a:lnSpc>
+                <a:spcPct val="100000"/>
+              </a:lnSpc>
+              <a:buFont typeface="Wingdings" panose="05000000000000000000" pitchFamily="2" charset="2"/>
+              <a:buChar char="Ø"/>
+            </a:pPr>
+            <a:r>
+              <a:rPr lang="en-US" sz="2800" spc="-1" dirty="0">
+                <a:latin typeface="Arial"/>
+              </a:rPr>
+              <a:t>QFT</a:t>
+            </a:r>
+            <a:r>
+              <a:rPr lang="en-US" sz="2800" b="0" strike="noStrike" spc="-1" dirty="0">
+                <a:latin typeface="Arial"/>
+              </a:rPr>
+              <a:t> and QT</a:t>
+            </a:r>
+          </a:p>
+          <a:p>
+            <a:pPr>
+              <a:lnSpc>
+                <a:spcPct val="100000"/>
+              </a:lnSpc>
+            </a:pPr>
+            <a:endParaRPr lang="en-US" sz="2400" b="0" strike="noStrike" spc="-1" dirty="0">
+              <a:latin typeface="Arial"/>
+            </a:endParaRPr>
+          </a:p>
+          <a:p>
+            <a:pPr marL="800100" lvl="1" indent="-342900">
+              <a:buFont typeface="Wingdings" panose="05000000000000000000" pitchFamily="2" charset="2"/>
+              <a:buChar char="ü"/>
+            </a:pPr>
+            <a:r>
+              <a:rPr lang="en-US" sz="2400" b="0" strike="noStrike" spc="-1" dirty="0">
+                <a:latin typeface="Arial"/>
+              </a:rPr>
+              <a:t>QFT is a quantum algorithm used for transforming a quantum state from the computational basis to the Fourier basis, while QT is a quantum protocol used for transferring the quantum state of one qubit to another qubit.</a:t>
+            </a:r>
+          </a:p>
+          <a:p>
+            <a:pPr marL="800100" lvl="1" indent="-342900">
+              <a:buFont typeface="Wingdings" panose="05000000000000000000" pitchFamily="2" charset="2"/>
+              <a:buChar char="ü"/>
+            </a:pPr>
+            <a:endParaRPr lang="en-US" sz="2400" b="0" strike="noStrike" spc="-1" dirty="0">
+              <a:latin typeface="Arial"/>
+            </a:endParaRPr>
+          </a:p>
+          <a:p>
+            <a:pPr marL="800100" lvl="1" indent="-342900">
+              <a:buFont typeface="Wingdings" panose="05000000000000000000" pitchFamily="2" charset="2"/>
+              <a:buChar char="ü"/>
+            </a:pPr>
+            <a:r>
+              <a:rPr lang="en-US" sz="2400" b="0" strike="noStrike" spc="-1" dirty="0">
+                <a:latin typeface="Arial"/>
+              </a:rPr>
+              <a:t>QFT is a fundamental operation in many quantum algorithms, while QT is a practical application of quantum entanglement for quantum communication.</a:t>
+            </a:r>
+          </a:p>
+          <a:p>
+            <a:pPr marL="800100" lvl="1" indent="-342900">
+              <a:buFont typeface="Wingdings" panose="05000000000000000000" pitchFamily="2" charset="2"/>
+              <a:buChar char="ü"/>
+            </a:pPr>
+            <a:endParaRPr lang="en-US" sz="2400" b="0" strike="noStrike" spc="-1" dirty="0">
+              <a:latin typeface="Arial"/>
+            </a:endParaRPr>
+          </a:p>
+          <a:p>
+            <a:pPr marL="800100" lvl="1" indent="-342900">
+              <a:buFont typeface="Wingdings" panose="05000000000000000000" pitchFamily="2" charset="2"/>
+              <a:buChar char="ü"/>
+            </a:pPr>
+            <a:r>
+              <a:rPr lang="en-US" sz="2400" b="0" strike="noStrike" spc="-1" dirty="0">
+                <a:latin typeface="Arial"/>
+              </a:rPr>
+              <a:t>QFT is a deterministic process, while QT involves probabilistic measurements and classical communication to transfer the quantum state.</a:t>
+            </a:r>
+            <a:endParaRPr lang="en-IN" sz="2400" b="0" strike="noStrike" spc="-1" dirty="0">
+              <a:latin typeface="Arial"/>
+            </a:endParaRPr>
+          </a:p>
+        </p:txBody>
+      </p:sp>
+    </p:spTree>
+    <p:extLst>
+      <p:ext uri="{BB962C8B-B14F-4D97-AF65-F5344CB8AC3E}">
+        <p14:creationId xmlns:p14="http://schemas.microsoft.com/office/powerpoint/2010/main" val="1044182914"/>
+      </p:ext>
+    </p:extLst>
+  </p:cSld>
+  <p:clrMapOvr>
+    <a:masterClrMapping/>
+  </p:clrMapOvr>
+</p:sld>
+</file>
+
+<file path=ppt/slides/slide18.xml><?xml version="1.0" encoding="utf-8"?>
+<p:sld xmlns:a="http://schemas.openxmlformats.org/drawingml/2006/main" xmlns:r="http://schemas.openxmlformats.org/officeDocument/2006/relationships" xmlns:p="http://schemas.openxmlformats.org/presentationml/2006/main">
+  <p:cSld>
+    <p:spTree>
+      <p:nvGrpSpPr>
+        <p:cNvPr id="1" name=""/>
+        <p:cNvGrpSpPr/>
+        <p:nvPr/>
+      </p:nvGrpSpPr>
+      <p:grpSpPr>
+        <a:xfrm>
+          <a:off x="0" y="0"/>
+          <a:ext cx="0" cy="0"/>
+          <a:chOff x="0" y="0"/>
+          <a:chExt cx="0" cy="0"/>
+        </a:xfrm>
+      </p:grpSpPr>
+      <p:sp>
+        <p:nvSpPr>
+          <p:cNvPr id="6" name="TextBox 5">
+            <a:extLst>
+              <a:ext uri="{FF2B5EF4-FFF2-40B4-BE49-F238E27FC236}">
+                <a16:creationId xmlns:a16="http://schemas.microsoft.com/office/drawing/2014/main" id="{828EA9EF-BED4-2555-C301-1152F34B4599}"/>
+              </a:ext>
+            </a:extLst>
+          </p:cNvPr>
+          <p:cNvSpPr txBox="1"/>
+          <p:nvPr/>
+        </p:nvSpPr>
+        <p:spPr>
+          <a:xfrm>
+            <a:off x="587563" y="757834"/>
+            <a:ext cx="11352903" cy="4585871"/>
+          </a:xfrm>
+          <a:prstGeom prst="rect">
+            <a:avLst/>
+          </a:prstGeom>
+          <a:noFill/>
+        </p:spPr>
+        <p:txBody>
+          <a:bodyPr wrap="square" rtlCol="0">
+            <a:spAutoFit/>
+          </a:bodyPr>
+          <a:lstStyle/>
+          <a:p>
+            <a:pPr marL="342900" indent="-342900">
+              <a:lnSpc>
+                <a:spcPct val="100000"/>
+              </a:lnSpc>
+              <a:buFont typeface="Wingdings" panose="05000000000000000000" pitchFamily="2" charset="2"/>
+              <a:buChar char="Ø"/>
+            </a:pPr>
+            <a:r>
+              <a:rPr lang="en-US" sz="2800" spc="-1" dirty="0">
+                <a:latin typeface="Arial"/>
+              </a:rPr>
+              <a:t>Quantum Walk and Quantum Annealing</a:t>
+            </a:r>
+          </a:p>
+          <a:p>
+            <a:pPr marL="342900" indent="-342900">
+              <a:lnSpc>
+                <a:spcPct val="100000"/>
+              </a:lnSpc>
+              <a:buFont typeface="Wingdings" panose="05000000000000000000" pitchFamily="2" charset="2"/>
+              <a:buChar char="Ø"/>
+            </a:pPr>
+            <a:endParaRPr lang="en-US" sz="2400" b="0" strike="noStrike" spc="-1" dirty="0">
+              <a:latin typeface="Arial"/>
+            </a:endParaRPr>
+          </a:p>
+          <a:p>
+            <a:pPr marL="800100" lvl="1" indent="-342900">
+              <a:buFont typeface="Wingdings" panose="05000000000000000000" pitchFamily="2" charset="2"/>
+              <a:buChar char="ü"/>
+            </a:pPr>
+            <a:r>
+              <a:rPr lang="en-US" sz="2400" b="0" strike="noStrike" spc="-1" dirty="0">
+                <a:latin typeface="Arial"/>
+              </a:rPr>
+              <a:t>Quantum Walk is a quantum algorithm that uses the quantum properties of superposition and interference to perform search or graph-related tasks.</a:t>
+            </a:r>
+          </a:p>
+          <a:p>
+            <a:pPr marL="800100" lvl="1" indent="-342900">
+              <a:buFont typeface="Wingdings" panose="05000000000000000000" pitchFamily="2" charset="2"/>
+              <a:buChar char="ü"/>
+            </a:pPr>
+            <a:endParaRPr lang="en-US" sz="2400" b="0" strike="noStrike" spc="-1" dirty="0">
+              <a:latin typeface="Arial"/>
+            </a:endParaRPr>
+          </a:p>
+          <a:p>
+            <a:pPr marL="800100" lvl="1" indent="-342900">
+              <a:buFont typeface="Wingdings" panose="05000000000000000000" pitchFamily="2" charset="2"/>
+              <a:buChar char="ü"/>
+            </a:pPr>
+            <a:r>
+              <a:rPr lang="en-US" sz="2400" b="0" strike="noStrike" spc="-1" dirty="0">
+                <a:latin typeface="Arial"/>
+              </a:rPr>
+              <a:t>Quantum Annealing is a quantum algorithm that uses the quantum properties of a physical annealing system to search for the optimal solution of an optimization problem.</a:t>
+            </a:r>
+          </a:p>
+          <a:p>
+            <a:pPr marL="800100" lvl="1" indent="-342900">
+              <a:buFont typeface="Wingdings" panose="05000000000000000000" pitchFamily="2" charset="2"/>
+              <a:buChar char="ü"/>
+            </a:pPr>
+            <a:endParaRPr lang="en-US" sz="2400" b="0" strike="noStrike" spc="-1" dirty="0">
+              <a:latin typeface="Arial"/>
+            </a:endParaRPr>
+          </a:p>
+          <a:p>
+            <a:pPr marL="800100" lvl="1" indent="-342900">
+              <a:buFont typeface="Wingdings" panose="05000000000000000000" pitchFamily="2" charset="2"/>
+              <a:buChar char="ü"/>
+            </a:pPr>
+            <a:r>
+              <a:rPr lang="en-US" sz="2400" b="0" strike="noStrike" spc="-1" dirty="0">
+                <a:latin typeface="Arial"/>
+              </a:rPr>
+              <a:t>Quantum Walk typically involves discrete-time or continuous-time evolution of a quantum state, while Quantum Annealing involves annealing a quantum system towards the optimal solution of an optimization problem.</a:t>
+            </a:r>
+            <a:endParaRPr lang="en-IN" sz="2400" b="0" strike="noStrike" spc="-1" dirty="0">
+              <a:latin typeface="Arial"/>
+            </a:endParaRPr>
+          </a:p>
+        </p:txBody>
+      </p:sp>
+    </p:spTree>
+    <p:extLst>
+      <p:ext uri="{BB962C8B-B14F-4D97-AF65-F5344CB8AC3E}">
+        <p14:creationId xmlns:p14="http://schemas.microsoft.com/office/powerpoint/2010/main" val="524353620"/>
+      </p:ext>
+    </p:extLst>
+  </p:cSld>
+  <p:clrMapOvr>
+    <a:masterClrMapping/>
+  </p:clrMapOvr>
+</p:sld>
+</file>
+
+<file path=ppt/slides/slide19.xml><?xml version="1.0" encoding="utf-8"?>
+<p:sld xmlns:a="http://schemas.openxmlformats.org/drawingml/2006/main" xmlns:r="http://schemas.openxmlformats.org/officeDocument/2006/relationships" xmlns:p="http://schemas.openxmlformats.org/presentationml/2006/main">
+  <p:cSld>
+    <p:spTree>
+      <p:nvGrpSpPr>
+        <p:cNvPr id="1" name=""/>
+        <p:cNvGrpSpPr/>
+        <p:nvPr/>
+      </p:nvGrpSpPr>
+      <p:grpSpPr>
+        <a:xfrm>
+          <a:off x="0" y="0"/>
+          <a:ext cx="0" cy="0"/>
+          <a:chOff x="0" y="0"/>
+          <a:chExt cx="0" cy="0"/>
+        </a:xfrm>
+      </p:grpSpPr>
+      <p:sp>
+        <p:nvSpPr>
+          <p:cNvPr id="6" name="TextBox 5">
+            <a:extLst>
+              <a:ext uri="{FF2B5EF4-FFF2-40B4-BE49-F238E27FC236}">
+                <a16:creationId xmlns:a16="http://schemas.microsoft.com/office/drawing/2014/main" id="{828EA9EF-BED4-2555-C301-1152F34B4599}"/>
+              </a:ext>
+            </a:extLst>
+          </p:cNvPr>
+          <p:cNvSpPr txBox="1"/>
+          <p:nvPr/>
+        </p:nvSpPr>
+        <p:spPr>
+          <a:xfrm>
+            <a:off x="587563" y="757834"/>
+            <a:ext cx="11352903" cy="4955203"/>
+          </a:xfrm>
+          <a:prstGeom prst="rect">
+            <a:avLst/>
+          </a:prstGeom>
+          <a:noFill/>
+        </p:spPr>
+        <p:txBody>
+          <a:bodyPr wrap="square" rtlCol="0">
+            <a:spAutoFit/>
+          </a:bodyPr>
+          <a:lstStyle/>
+          <a:p>
+            <a:pPr marL="342900" indent="-342900">
+              <a:lnSpc>
+                <a:spcPct val="100000"/>
+              </a:lnSpc>
+              <a:buFont typeface="Wingdings" panose="05000000000000000000" pitchFamily="2" charset="2"/>
+              <a:buChar char="Ø"/>
+            </a:pPr>
+            <a:r>
+              <a:rPr lang="en-US" sz="2800" spc="-1" dirty="0">
+                <a:latin typeface="Arial"/>
+              </a:rPr>
+              <a:t>QAE and QEC</a:t>
+            </a:r>
+          </a:p>
+          <a:p>
+            <a:pPr lvl="1"/>
+            <a:endParaRPr lang="en-US" sz="2400" b="0" strike="noStrike" spc="-1" dirty="0">
+              <a:latin typeface="Arial"/>
+            </a:endParaRPr>
+          </a:p>
+          <a:p>
+            <a:pPr marL="800100" lvl="1" indent="-342900">
+              <a:buFont typeface="Wingdings" panose="05000000000000000000" pitchFamily="2" charset="2"/>
+              <a:buChar char="ü"/>
+            </a:pPr>
+            <a:r>
+              <a:rPr lang="en-US" sz="2400" b="0" strike="noStrike" spc="-1" dirty="0">
+                <a:latin typeface="Arial"/>
+              </a:rPr>
+              <a:t>QAE is a quantum algorithm used for estimating the amplitude of a marked state in a quantum superposition, which has applications in quantum search algorithms and quantum machine learning.</a:t>
+            </a:r>
+          </a:p>
+          <a:p>
+            <a:pPr marL="800100" lvl="1" indent="-342900">
+              <a:buFont typeface="Wingdings" panose="05000000000000000000" pitchFamily="2" charset="2"/>
+              <a:buChar char="ü"/>
+            </a:pPr>
+            <a:endParaRPr lang="en-US" sz="2400" b="0" strike="noStrike" spc="-1" dirty="0">
+              <a:latin typeface="Arial"/>
+            </a:endParaRPr>
+          </a:p>
+          <a:p>
+            <a:pPr marL="800100" lvl="1" indent="-342900">
+              <a:buFont typeface="Wingdings" panose="05000000000000000000" pitchFamily="2" charset="2"/>
+              <a:buChar char="ü"/>
+            </a:pPr>
+            <a:r>
+              <a:rPr lang="en-US" sz="2400" b="0" strike="noStrike" spc="-1" dirty="0">
+                <a:latin typeface="Arial"/>
+              </a:rPr>
+              <a:t>QEC is used for protecting quantum states from decoherence and errors caused by the environment, using error-correcting codes and quantum gates to detect and correct errors.</a:t>
+            </a:r>
+          </a:p>
+          <a:p>
+            <a:pPr marL="800100" lvl="1" indent="-342900">
+              <a:buFont typeface="Wingdings" panose="05000000000000000000" pitchFamily="2" charset="2"/>
+              <a:buChar char="ü"/>
+            </a:pPr>
+            <a:endParaRPr lang="en-US" sz="2400" b="0" strike="noStrike" spc="-1" dirty="0">
+              <a:latin typeface="Arial"/>
+            </a:endParaRPr>
+          </a:p>
+          <a:p>
+            <a:pPr marL="800100" lvl="1" indent="-342900">
+              <a:buFont typeface="Wingdings" panose="05000000000000000000" pitchFamily="2" charset="2"/>
+              <a:buChar char="ü"/>
+            </a:pPr>
+            <a:r>
+              <a:rPr lang="en-US" sz="2400" b="0" strike="noStrike" spc="-1" dirty="0">
+                <a:latin typeface="Arial"/>
+              </a:rPr>
+              <a:t>QAE and QEC have different goals and implementations, with QAE focused on amplitude estimation and QEC focused on error mitigation and fault-tolerant quantum computing.</a:t>
+            </a:r>
+            <a:endParaRPr lang="en-IN" sz="2400" b="0" strike="noStrike" spc="-1" dirty="0">
+              <a:latin typeface="Arial"/>
+            </a:endParaRPr>
+          </a:p>
+        </p:txBody>
+      </p:sp>
+    </p:spTree>
+    <p:extLst>
+      <p:ext uri="{BB962C8B-B14F-4D97-AF65-F5344CB8AC3E}">
+        <p14:creationId xmlns:p14="http://schemas.microsoft.com/office/powerpoint/2010/main" val="1014087178"/>
+      </p:ext>
+    </p:extLst>
+  </p:cSld>
+  <p:clrMapOvr>
+    <a:masterClrMapping/>
+  </p:clrMapOvr>
+</p:sld>
+</file>
+
+<file path=ppt/slides/slide2.xml><?xml version="1.0" encoding="utf-8"?>
+<p:sld xmlns:a="http://schemas.openxmlformats.org/drawingml/2006/main" xmlns:r="http://schemas.openxmlformats.org/officeDocument/2006/relationships" xmlns:p="http://schemas.openxmlformats.org/presentationml/2006/main">
+  <p:cSld>
+    <p:spTree>
+      <p:nvGrpSpPr>
+        <p:cNvPr id="1" name=""/>
+        <p:cNvGrpSpPr/>
+        <p:nvPr/>
+      </p:nvGrpSpPr>
+      <p:grpSpPr>
+        <a:xfrm>
+          <a:off x="0" y="0"/>
+          <a:ext cx="0" cy="0"/>
+          <a:chOff x="0" y="0"/>
+          <a:chExt cx="0" cy="0"/>
+        </a:xfrm>
+      </p:grpSpPr>
+      <p:sp>
+        <p:nvSpPr>
+          <p:cNvPr id="137" name="CustomShape 1"/>
+          <p:cNvSpPr/>
+          <p:nvPr/>
+        </p:nvSpPr>
+        <p:spPr>
+          <a:xfrm>
+            <a:off x="4810680" y="463680"/>
+            <a:ext cx="5711400" cy="577800"/>
+          </a:xfrm>
+          <a:prstGeom prst="rect">
+            <a:avLst/>
+          </a:prstGeom>
+          <a:noFill/>
+          <a:ln>
+            <a:noFill/>
+          </a:ln>
+        </p:spPr>
+        <p:style>
+          <a:lnRef idx="0">
+            <a:scrgbClr r="0" g="0" b="0"/>
+          </a:lnRef>
+          <a:fillRef idx="0">
+            <a:scrgbClr r="0" g="0" b="0"/>
+          </a:fillRef>
+          <a:effectRef idx="0">
+            <a:scrgbClr r="0" g="0" b="0"/>
+          </a:effectRef>
+          <a:fontRef idx="minor"/>
+        </p:style>
+        <p:txBody>
+          <a:bodyPr lIns="90000" tIns="45000" rIns="90000" bIns="45000">
+            <a:spAutoFit/>
+          </a:bodyPr>
+          <a:lstStyle/>
+          <a:p>
+            <a:pPr>
+              <a:lnSpc>
+                <a:spcPct val="100000"/>
+              </a:lnSpc>
+            </a:pPr>
+            <a:r>
+              <a:rPr lang="en-IN" sz="3200" b="0" strike="noStrike" spc="-1">
+                <a:solidFill>
+                  <a:srgbClr val="FFFFFF"/>
+                </a:solidFill>
+                <a:latin typeface="Rockwell"/>
+              </a:rPr>
+              <a:t>MEMBERS</a:t>
+            </a:r>
+            <a:endParaRPr lang="en-IN" sz="3200" b="0" strike="noStrike" spc="-1">
+              <a:latin typeface="Arial"/>
+            </a:endParaRPr>
+          </a:p>
+        </p:txBody>
+      </p:sp>
+      <p:sp>
+        <p:nvSpPr>
+          <p:cNvPr id="138" name="CustomShape 2"/>
+          <p:cNvSpPr/>
+          <p:nvPr/>
+        </p:nvSpPr>
+        <p:spPr>
+          <a:xfrm>
+            <a:off x="2054159" y="1838835"/>
+            <a:ext cx="9396942" cy="521766"/>
+          </a:xfrm>
+          <a:prstGeom prst="rect">
+            <a:avLst/>
+          </a:prstGeom>
+          <a:noFill/>
+          <a:ln>
+            <a:noFill/>
+          </a:ln>
+        </p:spPr>
+        <p:style>
+          <a:lnRef idx="0">
+            <a:scrgbClr r="0" g="0" b="0"/>
+          </a:lnRef>
+          <a:fillRef idx="0">
+            <a:scrgbClr r="0" g="0" b="0"/>
+          </a:fillRef>
+          <a:effectRef idx="0">
+            <a:scrgbClr r="0" g="0" b="0"/>
+          </a:effectRef>
+          <a:fontRef idx="minor"/>
+        </p:style>
+        <p:txBody>
+          <a:bodyPr wrap="square" lIns="90000" tIns="45000" rIns="90000" bIns="45000">
+            <a:spAutoFit/>
+          </a:bodyPr>
+          <a:lstStyle/>
+          <a:p>
+            <a:pPr>
+              <a:lnSpc>
+                <a:spcPct val="100000"/>
+              </a:lnSpc>
+            </a:pPr>
+            <a:r>
+              <a:rPr lang="en-IN" sz="2800" b="0" strike="noStrike" spc="-1" dirty="0">
+                <a:solidFill>
+                  <a:srgbClr val="FFFFFF"/>
+                </a:solidFill>
+                <a:latin typeface="Lucida Calligraphy"/>
+              </a:rPr>
+              <a:t>Akash Ramanand Rajak	435			    19008</a:t>
+            </a:r>
+            <a:endParaRPr lang="en-IN" sz="2800" b="0" strike="noStrike" spc="-1" dirty="0">
+              <a:latin typeface="Arial"/>
+            </a:endParaRPr>
+          </a:p>
+        </p:txBody>
+      </p:sp>
+      <p:sp>
+        <p:nvSpPr>
+          <p:cNvPr id="139" name="CustomShape 3"/>
+          <p:cNvSpPr/>
+          <p:nvPr/>
+        </p:nvSpPr>
+        <p:spPr>
+          <a:xfrm>
+            <a:off x="2054159" y="2986660"/>
+            <a:ext cx="8974912" cy="521766"/>
+          </a:xfrm>
+          <a:prstGeom prst="rect">
+            <a:avLst/>
+          </a:prstGeom>
+          <a:noFill/>
+          <a:ln>
+            <a:noFill/>
+          </a:ln>
+        </p:spPr>
+        <p:style>
+          <a:lnRef idx="0">
+            <a:scrgbClr r="0" g="0" b="0"/>
+          </a:lnRef>
+          <a:fillRef idx="0">
+            <a:scrgbClr r="0" g="0" b="0"/>
+          </a:fillRef>
+          <a:effectRef idx="0">
+            <a:scrgbClr r="0" g="0" b="0"/>
+          </a:effectRef>
+          <a:fontRef idx="minor"/>
+        </p:style>
+        <p:txBody>
+          <a:bodyPr wrap="square" lIns="90000" tIns="45000" rIns="90000" bIns="45000">
+            <a:spAutoFit/>
+          </a:bodyPr>
+          <a:lstStyle/>
+          <a:p>
+            <a:pPr>
+              <a:lnSpc>
+                <a:spcPct val="100000"/>
+              </a:lnSpc>
+            </a:pPr>
+            <a:r>
+              <a:rPr lang="en-IN" sz="2800" b="0" strike="noStrike" spc="-1" dirty="0">
+                <a:solidFill>
+                  <a:srgbClr val="FFFFFF"/>
+                </a:solidFill>
+                <a:latin typeface="Lucida Calligraphy"/>
+              </a:rPr>
+              <a:t>Amaan Khan			        	438		        19011</a:t>
+            </a:r>
+            <a:endParaRPr lang="en-IN" sz="2800" b="0" strike="noStrike" spc="-1" dirty="0">
+              <a:latin typeface="Arial"/>
+            </a:endParaRPr>
+          </a:p>
+        </p:txBody>
+      </p:sp>
+      <p:sp>
+        <p:nvSpPr>
+          <p:cNvPr id="141" name="CustomShape 5"/>
+          <p:cNvSpPr/>
+          <p:nvPr/>
+        </p:nvSpPr>
+        <p:spPr>
+          <a:xfrm>
+            <a:off x="2054159" y="4271149"/>
+            <a:ext cx="9396942" cy="521766"/>
+          </a:xfrm>
+          <a:prstGeom prst="rect">
+            <a:avLst/>
+          </a:prstGeom>
+          <a:noFill/>
+          <a:ln>
+            <a:noFill/>
+          </a:ln>
+        </p:spPr>
+        <p:style>
+          <a:lnRef idx="0">
+            <a:scrgbClr r="0" g="0" b="0"/>
+          </a:lnRef>
+          <a:fillRef idx="0">
+            <a:scrgbClr r="0" g="0" b="0"/>
+          </a:fillRef>
+          <a:effectRef idx="0">
+            <a:scrgbClr r="0" g="0" b="0"/>
+          </a:effectRef>
+          <a:fontRef idx="minor"/>
+        </p:style>
+        <p:txBody>
+          <a:bodyPr wrap="square" lIns="90000" tIns="45000" rIns="90000" bIns="45000">
+            <a:spAutoFit/>
+          </a:bodyPr>
+          <a:lstStyle/>
+          <a:p>
+            <a:pPr>
+              <a:lnSpc>
+                <a:spcPct val="100000"/>
+              </a:lnSpc>
+            </a:pPr>
+            <a:r>
+              <a:rPr lang="en-IN" sz="2800" b="0" strike="noStrike" spc="-1" dirty="0">
+                <a:solidFill>
+                  <a:srgbClr val="FFFFFF"/>
+                </a:solidFill>
+                <a:latin typeface="Lucida Calligraphy"/>
+              </a:rPr>
+              <a:t>Pallav Dubey			             481			    19054</a:t>
+            </a:r>
+            <a:endParaRPr lang="en-IN" sz="2800" b="0" strike="noStrike" spc="-1" dirty="0">
+              <a:latin typeface="Arial"/>
+            </a:endParaRPr>
+          </a:p>
+        </p:txBody>
+      </p:sp>
+    </p:spTree>
+  </p:cSld>
+  <p:clrMapOvr>
+    <a:masterClrMapping/>
+  </p:clrMapOvr>
+</p:sld>
+</file>
+
+<file path=ppt/slides/slide20.xml><?xml version="1.0" encoding="utf-8"?>
+<p:sld xmlns:a="http://schemas.openxmlformats.org/drawingml/2006/main" xmlns:r="http://schemas.openxmlformats.org/officeDocument/2006/relationships" xmlns:p="http://schemas.openxmlformats.org/presentationml/2006/main">
+  <p:cSld>
+    <p:spTree>
+      <p:nvGrpSpPr>
+        <p:cNvPr id="1" name=""/>
+        <p:cNvGrpSpPr/>
+        <p:nvPr/>
+      </p:nvGrpSpPr>
+      <p:grpSpPr>
+        <a:xfrm>
+          <a:off x="0" y="0"/>
+          <a:ext cx="0" cy="0"/>
+          <a:chOff x="0" y="0"/>
+          <a:chExt cx="0" cy="0"/>
+        </a:xfrm>
+      </p:grpSpPr>
+      <p:sp>
+        <p:nvSpPr>
+          <p:cNvPr id="3" name="TextBox 2">
+            <a:extLst>
+              <a:ext uri="{FF2B5EF4-FFF2-40B4-BE49-F238E27FC236}">
+                <a16:creationId xmlns:a16="http://schemas.microsoft.com/office/drawing/2014/main" id="{BAE7179B-6890-8F2D-7FDD-4D38FD76E173}"/>
+              </a:ext>
+            </a:extLst>
+          </p:cNvPr>
+          <p:cNvSpPr txBox="1"/>
+          <p:nvPr/>
+        </p:nvSpPr>
+        <p:spPr>
+          <a:xfrm>
+            <a:off x="782873" y="632067"/>
+            <a:ext cx="8565313" cy="584775"/>
+          </a:xfrm>
+          <a:prstGeom prst="rect">
+            <a:avLst/>
+          </a:prstGeom>
+          <a:noFill/>
+        </p:spPr>
+        <p:txBody>
+          <a:bodyPr wrap="square" rtlCol="0">
+            <a:spAutoFit/>
+          </a:bodyPr>
+          <a:lstStyle/>
+          <a:p>
+            <a:pPr>
+              <a:lnSpc>
+                <a:spcPct val="100000"/>
+              </a:lnSpc>
+            </a:pPr>
+            <a:r>
+              <a:rPr lang="en-IN" sz="3200" b="0" strike="noStrike" spc="-1" dirty="0">
+                <a:solidFill>
+                  <a:srgbClr val="FFFFFF"/>
+                </a:solidFill>
+                <a:latin typeface="Rockwell"/>
+              </a:rPr>
+              <a:t>Quantum Simulation Techniques</a:t>
+            </a:r>
+            <a:endParaRPr lang="en-IN" sz="3200" b="0" strike="noStrike" spc="-1" dirty="0">
+              <a:latin typeface="Arial"/>
+            </a:endParaRPr>
+          </a:p>
+        </p:txBody>
+      </p:sp>
+      <p:sp>
+        <p:nvSpPr>
+          <p:cNvPr id="4" name="TextBox 3">
+            <a:extLst>
+              <a:ext uri="{FF2B5EF4-FFF2-40B4-BE49-F238E27FC236}">
+                <a16:creationId xmlns:a16="http://schemas.microsoft.com/office/drawing/2014/main" id="{C7786FD8-E882-939C-D9BA-7ABC7B114535}"/>
+              </a:ext>
+            </a:extLst>
+          </p:cNvPr>
+          <p:cNvSpPr txBox="1"/>
+          <p:nvPr/>
+        </p:nvSpPr>
+        <p:spPr>
+          <a:xfrm>
+            <a:off x="782873" y="1423659"/>
+            <a:ext cx="8565313" cy="2677656"/>
+          </a:xfrm>
+          <a:prstGeom prst="rect">
+            <a:avLst/>
+          </a:prstGeom>
+          <a:noFill/>
+        </p:spPr>
+        <p:txBody>
+          <a:bodyPr wrap="square" rtlCol="0">
+            <a:spAutoFit/>
+          </a:bodyPr>
+          <a:lstStyle/>
+          <a:p>
+            <a:pPr marL="457200" indent="-457200">
+              <a:lnSpc>
+                <a:spcPct val="100000"/>
+              </a:lnSpc>
+              <a:buFont typeface="Wingdings" panose="05000000000000000000" pitchFamily="2" charset="2"/>
+              <a:buChar char="Ø"/>
+            </a:pPr>
+            <a:r>
+              <a:rPr lang="en-IN" sz="2400" b="0" strike="noStrike" spc="-1" dirty="0">
+                <a:solidFill>
+                  <a:srgbClr val="FFFFFF"/>
+                </a:solidFill>
+                <a:latin typeface="Rockwell"/>
+              </a:rPr>
+              <a:t>Here listed the 5 most common techniques:</a:t>
+            </a:r>
+          </a:p>
+          <a:p>
+            <a:pPr marL="914400" lvl="1" indent="-457200">
+              <a:buFont typeface="Wingdings" panose="05000000000000000000" pitchFamily="2" charset="2"/>
+              <a:buChar char="v"/>
+            </a:pPr>
+            <a:endParaRPr lang="en-IN" sz="2400" spc="-1" dirty="0">
+              <a:solidFill>
+                <a:srgbClr val="FFFFFF"/>
+              </a:solidFill>
+              <a:latin typeface="Rockwell"/>
+            </a:endParaRPr>
+          </a:p>
+          <a:p>
+            <a:pPr marL="914400" lvl="1" indent="-457200">
+              <a:buFont typeface="Wingdings" panose="05000000000000000000" pitchFamily="2" charset="2"/>
+              <a:buChar char="v"/>
+            </a:pPr>
+            <a:r>
+              <a:rPr lang="en-IN" sz="2400" b="0" strike="noStrike" spc="-1" dirty="0">
+                <a:solidFill>
+                  <a:srgbClr val="FFFFFF"/>
+                </a:solidFill>
+                <a:latin typeface="Rockwell"/>
+              </a:rPr>
+              <a:t>Hamiltonian Simulation</a:t>
+            </a:r>
+          </a:p>
+          <a:p>
+            <a:pPr marL="914400" lvl="1" indent="-457200">
+              <a:buFont typeface="Wingdings" panose="05000000000000000000" pitchFamily="2" charset="2"/>
+              <a:buChar char="v"/>
+            </a:pPr>
+            <a:r>
+              <a:rPr lang="en-IN" sz="2400" spc="-1" dirty="0">
+                <a:solidFill>
+                  <a:srgbClr val="FFFFFF"/>
+                </a:solidFill>
+                <a:latin typeface="Rockwell"/>
+              </a:rPr>
+              <a:t>Quantum Circuit-based Simulation</a:t>
+            </a:r>
+          </a:p>
+          <a:p>
+            <a:pPr marL="914400" lvl="1" indent="-457200">
+              <a:buFont typeface="Wingdings" panose="05000000000000000000" pitchFamily="2" charset="2"/>
+              <a:buChar char="v"/>
+            </a:pPr>
+            <a:r>
+              <a:rPr lang="en-IN" sz="2400" spc="-1" dirty="0">
+                <a:solidFill>
+                  <a:srgbClr val="FFFFFF"/>
+                </a:solidFill>
+                <a:latin typeface="Rockwell"/>
+              </a:rPr>
+              <a:t>Variational Quantum Simulation</a:t>
+            </a:r>
+          </a:p>
+          <a:p>
+            <a:pPr marL="914400" lvl="1" indent="-457200">
+              <a:buFont typeface="Wingdings" panose="05000000000000000000" pitchFamily="2" charset="2"/>
+              <a:buChar char="v"/>
+            </a:pPr>
+            <a:r>
+              <a:rPr lang="en-IN" sz="2400" spc="-1" dirty="0">
+                <a:solidFill>
+                  <a:srgbClr val="FFFFFF"/>
+                </a:solidFill>
+                <a:latin typeface="Rockwell"/>
+              </a:rPr>
+              <a:t>Tensor Network Methods</a:t>
+            </a:r>
+          </a:p>
+          <a:p>
+            <a:pPr marL="914400" lvl="1" indent="-457200">
+              <a:buFont typeface="Wingdings" panose="05000000000000000000" pitchFamily="2" charset="2"/>
+              <a:buChar char="v"/>
+            </a:pPr>
+            <a:r>
+              <a:rPr lang="en-IN" sz="2400" spc="-1" dirty="0">
+                <a:solidFill>
+                  <a:srgbClr val="FFFFFF"/>
+                </a:solidFill>
+                <a:latin typeface="Rockwell"/>
+              </a:rPr>
+              <a:t>Quantum Monte Carlo Methods</a:t>
+            </a:r>
+          </a:p>
+        </p:txBody>
+      </p:sp>
+    </p:spTree>
+    <p:extLst>
+      <p:ext uri="{BB962C8B-B14F-4D97-AF65-F5344CB8AC3E}">
+        <p14:creationId xmlns:p14="http://schemas.microsoft.com/office/powerpoint/2010/main" val="2659770906"/>
+      </p:ext>
+    </p:extLst>
+  </p:cSld>
+  <p:clrMapOvr>
+    <a:masterClrMapping/>
+  </p:clrMapOvr>
+</p:sld>
+</file>
+
+<file path=ppt/slides/slide21.xml><?xml version="1.0" encoding="utf-8"?>
+<p:sld xmlns:a="http://schemas.openxmlformats.org/drawingml/2006/main" xmlns:r="http://schemas.openxmlformats.org/officeDocument/2006/relationships" xmlns:p="http://schemas.openxmlformats.org/presentationml/2006/main">
+  <p:cSld>
+    <p:spTree>
+      <p:nvGrpSpPr>
+        <p:cNvPr id="1" name=""/>
+        <p:cNvGrpSpPr/>
+        <p:nvPr/>
+      </p:nvGrpSpPr>
+      <p:grpSpPr>
+        <a:xfrm>
+          <a:off x="0" y="0"/>
+          <a:ext cx="0" cy="0"/>
+          <a:chOff x="0" y="0"/>
+          <a:chExt cx="0" cy="0"/>
+        </a:xfrm>
+      </p:grpSpPr>
+      <p:sp>
+        <p:nvSpPr>
+          <p:cNvPr id="3" name="TextBox 2">
+            <a:extLst>
+              <a:ext uri="{FF2B5EF4-FFF2-40B4-BE49-F238E27FC236}">
+                <a16:creationId xmlns:a16="http://schemas.microsoft.com/office/drawing/2014/main" id="{BAE7179B-6890-8F2D-7FDD-4D38FD76E173}"/>
+              </a:ext>
+            </a:extLst>
+          </p:cNvPr>
+          <p:cNvSpPr txBox="1"/>
+          <p:nvPr/>
+        </p:nvSpPr>
+        <p:spPr>
+          <a:xfrm>
+            <a:off x="782873" y="605434"/>
+            <a:ext cx="8565313" cy="584775"/>
+          </a:xfrm>
+          <a:prstGeom prst="rect">
+            <a:avLst/>
+          </a:prstGeom>
+          <a:noFill/>
+        </p:spPr>
+        <p:txBody>
+          <a:bodyPr wrap="square" rtlCol="0">
+            <a:spAutoFit/>
+          </a:bodyPr>
+          <a:lstStyle/>
+          <a:p>
+            <a:pPr>
+              <a:lnSpc>
+                <a:spcPct val="100000"/>
+              </a:lnSpc>
+            </a:pPr>
+            <a:r>
+              <a:rPr lang="en-IN" sz="3200" b="0" strike="noStrike" spc="-1" dirty="0">
+                <a:solidFill>
+                  <a:srgbClr val="FFFFFF"/>
+                </a:solidFill>
+                <a:latin typeface="Rockwell"/>
+              </a:rPr>
+              <a:t>Future Directions and Challenges</a:t>
+            </a:r>
+            <a:endParaRPr lang="en-IN" sz="3200" b="0" strike="noStrike" spc="-1" dirty="0">
+              <a:latin typeface="Arial"/>
+            </a:endParaRPr>
+          </a:p>
+        </p:txBody>
+      </p:sp>
+      <p:sp>
+        <p:nvSpPr>
+          <p:cNvPr id="4" name="TextBox 3">
+            <a:extLst>
+              <a:ext uri="{FF2B5EF4-FFF2-40B4-BE49-F238E27FC236}">
+                <a16:creationId xmlns:a16="http://schemas.microsoft.com/office/drawing/2014/main" id="{C7786FD8-E882-939C-D9BA-7ABC7B114535}"/>
+              </a:ext>
+            </a:extLst>
+          </p:cNvPr>
+          <p:cNvSpPr txBox="1"/>
+          <p:nvPr/>
+        </p:nvSpPr>
+        <p:spPr>
+          <a:xfrm>
+            <a:off x="685219" y="1326005"/>
+            <a:ext cx="9488591" cy="3785652"/>
+          </a:xfrm>
+          <a:prstGeom prst="rect">
+            <a:avLst/>
+          </a:prstGeom>
+          <a:noFill/>
+        </p:spPr>
+        <p:txBody>
+          <a:bodyPr wrap="square" rtlCol="0">
+            <a:spAutoFit/>
+          </a:bodyPr>
+          <a:lstStyle/>
+          <a:p>
+            <a:pPr marL="457200" indent="-457200">
+              <a:lnSpc>
+                <a:spcPct val="100000"/>
+              </a:lnSpc>
+              <a:buFont typeface="Wingdings" panose="05000000000000000000" pitchFamily="2" charset="2"/>
+              <a:buChar char="Ø"/>
+            </a:pPr>
+            <a:r>
+              <a:rPr lang="en-IN" sz="2400" b="0" strike="noStrike" spc="-1" dirty="0">
+                <a:solidFill>
+                  <a:srgbClr val="FFFFFF"/>
+                </a:solidFill>
+                <a:latin typeface="Rockwell"/>
+              </a:rPr>
+              <a:t>Here are some of the common challenges and directions:</a:t>
+            </a:r>
+          </a:p>
+          <a:p>
+            <a:pPr marL="914400" lvl="1" indent="-457200">
+              <a:buFont typeface="Wingdings" panose="05000000000000000000" pitchFamily="2" charset="2"/>
+              <a:buChar char="Ø"/>
+            </a:pPr>
+            <a:endParaRPr lang="en-IN" sz="2400" spc="-1" dirty="0">
+              <a:solidFill>
+                <a:srgbClr val="FFFFFF"/>
+              </a:solidFill>
+              <a:latin typeface="Rockwell"/>
+            </a:endParaRPr>
+          </a:p>
+          <a:p>
+            <a:pPr marL="914400" lvl="1" indent="-457200">
+              <a:buFont typeface="Wingdings" panose="05000000000000000000" pitchFamily="2" charset="2"/>
+              <a:buChar char="v"/>
+            </a:pPr>
+            <a:r>
+              <a:rPr lang="en-IN" sz="2400" spc="-1" dirty="0">
+                <a:solidFill>
+                  <a:srgbClr val="FFFFFF"/>
+                </a:solidFill>
+                <a:latin typeface="Rockwell"/>
+              </a:rPr>
+              <a:t>Scalability Factor</a:t>
+            </a:r>
+          </a:p>
+          <a:p>
+            <a:pPr marL="914400" lvl="1" indent="-457200">
+              <a:buFont typeface="Wingdings" panose="05000000000000000000" pitchFamily="2" charset="2"/>
+              <a:buChar char="v"/>
+            </a:pPr>
+            <a:r>
+              <a:rPr lang="en-US" sz="2400" spc="-1" dirty="0">
+                <a:solidFill>
+                  <a:srgbClr val="FFFFFF"/>
+                </a:solidFill>
+                <a:latin typeface="Rockwell"/>
+              </a:rPr>
+              <a:t>Error Mitigation and Error Correction</a:t>
+            </a:r>
+          </a:p>
+          <a:p>
+            <a:pPr marL="914400" lvl="1" indent="-457200">
+              <a:buFont typeface="Wingdings" panose="05000000000000000000" pitchFamily="2" charset="2"/>
+              <a:buChar char="v"/>
+            </a:pPr>
+            <a:r>
+              <a:rPr lang="en-IN" sz="2400" spc="-1" dirty="0">
+                <a:solidFill>
+                  <a:srgbClr val="FFFFFF"/>
+                </a:solidFill>
+                <a:latin typeface="Rockwell"/>
+              </a:rPr>
+              <a:t>Hybrid Approaches</a:t>
+            </a:r>
+          </a:p>
+          <a:p>
+            <a:pPr marL="914400" lvl="1" indent="-457200">
+              <a:buFont typeface="Wingdings" panose="05000000000000000000" pitchFamily="2" charset="2"/>
+              <a:buChar char="v"/>
+            </a:pPr>
+            <a:r>
+              <a:rPr lang="en-IN" sz="2400" spc="-1" dirty="0">
+                <a:solidFill>
+                  <a:srgbClr val="FFFFFF"/>
+                </a:solidFill>
+                <a:latin typeface="Rockwell"/>
+              </a:rPr>
+              <a:t>Novel Simulation Techniques</a:t>
+            </a:r>
+          </a:p>
+          <a:p>
+            <a:pPr marL="914400" lvl="1" indent="-457200">
+              <a:buFont typeface="Wingdings" panose="05000000000000000000" pitchFamily="2" charset="2"/>
+              <a:buChar char="v"/>
+            </a:pPr>
+            <a:r>
+              <a:rPr lang="en-IN" sz="2400" spc="-1" dirty="0">
+                <a:solidFill>
+                  <a:srgbClr val="FFFFFF"/>
+                </a:solidFill>
+                <a:latin typeface="Rockwell"/>
+              </a:rPr>
+              <a:t>Application-specific Simulations</a:t>
+            </a:r>
+          </a:p>
+          <a:p>
+            <a:pPr marL="914400" lvl="1" indent="-457200">
+              <a:buFont typeface="Wingdings" panose="05000000000000000000" pitchFamily="2" charset="2"/>
+              <a:buChar char="v"/>
+            </a:pPr>
+            <a:r>
+              <a:rPr lang="en-IN" sz="2400" spc="-1" dirty="0">
+                <a:solidFill>
+                  <a:srgbClr val="FFFFFF"/>
+                </a:solidFill>
+                <a:latin typeface="Rockwell"/>
+              </a:rPr>
+              <a:t>Validation and Benchmarking</a:t>
+            </a:r>
+          </a:p>
+          <a:p>
+            <a:pPr marL="914400" lvl="1" indent="-457200">
+              <a:buFont typeface="Wingdings" panose="05000000000000000000" pitchFamily="2" charset="2"/>
+              <a:buChar char="v"/>
+            </a:pPr>
+            <a:r>
+              <a:rPr lang="en-US" sz="2400" spc="-1" dirty="0">
+                <a:solidFill>
+                  <a:srgbClr val="FFFFFF"/>
+                </a:solidFill>
+                <a:latin typeface="Rockwell"/>
+              </a:rPr>
+              <a:t>Accessible Tools and User-friendly Interfaces</a:t>
+            </a:r>
+          </a:p>
+          <a:p>
+            <a:pPr marL="914400" lvl="1" indent="-457200">
+              <a:buFont typeface="Wingdings" panose="05000000000000000000" pitchFamily="2" charset="2"/>
+              <a:buChar char="v"/>
+            </a:pPr>
+            <a:r>
+              <a:rPr lang="en-IN" sz="2400" spc="-1" dirty="0">
+                <a:solidFill>
+                  <a:srgbClr val="FFFFFF"/>
+                </a:solidFill>
+                <a:latin typeface="Rockwell"/>
+              </a:rPr>
+              <a:t>Ethical and Societal Implications</a:t>
+            </a:r>
+          </a:p>
+        </p:txBody>
+      </p:sp>
+    </p:spTree>
+    <p:extLst>
+      <p:ext uri="{BB962C8B-B14F-4D97-AF65-F5344CB8AC3E}">
+        <p14:creationId xmlns:p14="http://schemas.microsoft.com/office/powerpoint/2010/main" val="777263224"/>
+      </p:ext>
+    </p:extLst>
+  </p:cSld>
+  <p:clrMapOvr>
+    <a:masterClrMapping/>
+  </p:clrMapOvr>
+</p:sld>
+</file>
+
+<file path=ppt/slides/slide22.xml><?xml version="1.0" encoding="utf-8"?>
+<p:sld xmlns:a="http://schemas.openxmlformats.org/drawingml/2006/main" xmlns:r="http://schemas.openxmlformats.org/officeDocument/2006/relationships" xmlns:p="http://schemas.openxmlformats.org/presentationml/2006/main">
+  <p:cSld>
+    <p:spTree>
+      <p:nvGrpSpPr>
+        <p:cNvPr id="1" name=""/>
+        <p:cNvGrpSpPr/>
+        <p:nvPr/>
+      </p:nvGrpSpPr>
+      <p:grpSpPr>
+        <a:xfrm>
+          <a:off x="0" y="0"/>
+          <a:ext cx="0" cy="0"/>
+          <a:chOff x="0" y="0"/>
+          <a:chExt cx="0" cy="0"/>
+        </a:xfrm>
+      </p:grpSpPr>
+      <p:sp>
+        <p:nvSpPr>
           <p:cNvPr id="187" name="CustomShape 1"/>
           <p:cNvSpPr/>
           <p:nvPr/>
@@ -7096,259 +9184,6 @@
               <a:t>References</a:t>
             </a:r>
             <a:endParaRPr lang="en-IN" sz="3600" b="0" strike="noStrike" spc="-1" dirty="0">
-              <a:latin typeface="Arial"/>
-            </a:endParaRPr>
-          </a:p>
-        </p:txBody>
-      </p:sp>
-    </p:spTree>
-  </p:cSld>
-  <p:clrMapOvr>
-    <a:masterClrMapping/>
-  </p:clrMapOvr>
-</p:sld>
-</file>
-
-<file path=ppt/slides/slide2.xml><?xml version="1.0" encoding="utf-8"?>
-<p:sld xmlns:a="http://schemas.openxmlformats.org/drawingml/2006/main" xmlns:r="http://schemas.openxmlformats.org/officeDocument/2006/relationships" xmlns:p="http://schemas.openxmlformats.org/presentationml/2006/main">
-  <p:cSld>
-    <p:spTree>
-      <p:nvGrpSpPr>
-        <p:cNvPr id="1" name=""/>
-        <p:cNvGrpSpPr/>
-        <p:nvPr/>
-      </p:nvGrpSpPr>
-      <p:grpSpPr>
-        <a:xfrm>
-          <a:off x="0" y="0"/>
-          <a:ext cx="0" cy="0"/>
-          <a:chOff x="0" y="0"/>
-          <a:chExt cx="0" cy="0"/>
-        </a:xfrm>
-      </p:grpSpPr>
-      <p:sp>
-        <p:nvSpPr>
-          <p:cNvPr id="137" name="CustomShape 1"/>
-          <p:cNvSpPr/>
-          <p:nvPr/>
-        </p:nvSpPr>
-        <p:spPr>
-          <a:xfrm>
-            <a:off x="4810680" y="463680"/>
-            <a:ext cx="5711400" cy="577800"/>
-          </a:xfrm>
-          <a:prstGeom prst="rect">
-            <a:avLst/>
-          </a:prstGeom>
-          <a:noFill/>
-          <a:ln>
-            <a:noFill/>
-          </a:ln>
-        </p:spPr>
-        <p:style>
-          <a:lnRef idx="0">
-            <a:scrgbClr r="0" g="0" b="0"/>
-          </a:lnRef>
-          <a:fillRef idx="0">
-            <a:scrgbClr r="0" g="0" b="0"/>
-          </a:fillRef>
-          <a:effectRef idx="0">
-            <a:scrgbClr r="0" g="0" b="0"/>
-          </a:effectRef>
-          <a:fontRef idx="minor"/>
-        </p:style>
-        <p:txBody>
-          <a:bodyPr lIns="90000" tIns="45000" rIns="90000" bIns="45000">
-            <a:spAutoFit/>
-          </a:bodyPr>
-          <a:lstStyle/>
-          <a:p>
-            <a:pPr>
-              <a:lnSpc>
-                <a:spcPct val="100000"/>
-              </a:lnSpc>
-            </a:pPr>
-            <a:r>
-              <a:rPr lang="en-IN" sz="3200" b="0" strike="noStrike" spc="-1">
-                <a:solidFill>
-                  <a:srgbClr val="FFFFFF"/>
-                </a:solidFill>
-                <a:latin typeface="Rockwell"/>
-              </a:rPr>
-              <a:t>MEMBERS</a:t>
-            </a:r>
-            <a:endParaRPr lang="en-IN" sz="3200" b="0" strike="noStrike" spc="-1">
-              <a:latin typeface="Arial"/>
-            </a:endParaRPr>
-          </a:p>
-        </p:txBody>
-      </p:sp>
-      <p:sp>
-        <p:nvSpPr>
-          <p:cNvPr id="138" name="CustomShape 2"/>
-          <p:cNvSpPr/>
-          <p:nvPr/>
-        </p:nvSpPr>
-        <p:spPr>
-          <a:xfrm>
-            <a:off x="2054159" y="1838835"/>
-            <a:ext cx="9396942" cy="521766"/>
-          </a:xfrm>
-          <a:prstGeom prst="rect">
-            <a:avLst/>
-          </a:prstGeom>
-          <a:noFill/>
-          <a:ln>
-            <a:noFill/>
-          </a:ln>
-        </p:spPr>
-        <p:style>
-          <a:lnRef idx="0">
-            <a:scrgbClr r="0" g="0" b="0"/>
-          </a:lnRef>
-          <a:fillRef idx="0">
-            <a:scrgbClr r="0" g="0" b="0"/>
-          </a:fillRef>
-          <a:effectRef idx="0">
-            <a:scrgbClr r="0" g="0" b="0"/>
-          </a:effectRef>
-          <a:fontRef idx="minor"/>
-        </p:style>
-        <p:txBody>
-          <a:bodyPr wrap="square" lIns="90000" tIns="45000" rIns="90000" bIns="45000">
-            <a:spAutoFit/>
-          </a:bodyPr>
-          <a:lstStyle/>
-          <a:p>
-            <a:pPr>
-              <a:lnSpc>
-                <a:spcPct val="100000"/>
-              </a:lnSpc>
-            </a:pPr>
-            <a:r>
-              <a:rPr lang="en-IN" sz="2800" b="0" strike="noStrike" spc="-1" dirty="0">
-                <a:solidFill>
-                  <a:srgbClr val="FFFFFF"/>
-                </a:solidFill>
-                <a:latin typeface="Lucida Calligraphy"/>
-              </a:rPr>
-              <a:t>Akash Ramanand Rajak	435			    19008</a:t>
-            </a:r>
-            <a:endParaRPr lang="en-IN" sz="2800" b="0" strike="noStrike" spc="-1" dirty="0">
-              <a:latin typeface="Arial"/>
-            </a:endParaRPr>
-          </a:p>
-        </p:txBody>
-      </p:sp>
-      <p:sp>
-        <p:nvSpPr>
-          <p:cNvPr id="139" name="CustomShape 3"/>
-          <p:cNvSpPr/>
-          <p:nvPr/>
-        </p:nvSpPr>
-        <p:spPr>
-          <a:xfrm>
-            <a:off x="2054159" y="2986660"/>
-            <a:ext cx="8974912" cy="521766"/>
-          </a:xfrm>
-          <a:prstGeom prst="rect">
-            <a:avLst/>
-          </a:prstGeom>
-          <a:noFill/>
-          <a:ln>
-            <a:noFill/>
-          </a:ln>
-        </p:spPr>
-        <p:style>
-          <a:lnRef idx="0">
-            <a:scrgbClr r="0" g="0" b="0"/>
-          </a:lnRef>
-          <a:fillRef idx="0">
-            <a:scrgbClr r="0" g="0" b="0"/>
-          </a:fillRef>
-          <a:effectRef idx="0">
-            <a:scrgbClr r="0" g="0" b="0"/>
-          </a:effectRef>
-          <a:fontRef idx="minor"/>
-        </p:style>
-        <p:txBody>
-          <a:bodyPr wrap="square" lIns="90000" tIns="45000" rIns="90000" bIns="45000">
-            <a:spAutoFit/>
-          </a:bodyPr>
-          <a:lstStyle/>
-          <a:p>
-            <a:pPr>
-              <a:lnSpc>
-                <a:spcPct val="100000"/>
-              </a:lnSpc>
-            </a:pPr>
-            <a:r>
-              <a:rPr lang="en-IN" sz="2800" b="0" strike="noStrike" spc="-1" dirty="0">
-                <a:solidFill>
-                  <a:srgbClr val="FFFFFF"/>
-                </a:solidFill>
-                <a:latin typeface="Lucida Calligraphy"/>
-              </a:rPr>
-              <a:t>Amaan Khan			        	438		        19011</a:t>
-            </a:r>
-            <a:endParaRPr lang="en-IN" sz="2800" b="0" strike="noStrike" spc="-1" dirty="0">
-              <a:latin typeface="Arial"/>
-            </a:endParaRPr>
-          </a:p>
-        </p:txBody>
-      </p:sp>
-      <p:sp>
-        <p:nvSpPr>
-          <p:cNvPr id="141" name="CustomShape 5"/>
-          <p:cNvSpPr/>
-          <p:nvPr/>
-        </p:nvSpPr>
-        <p:spPr>
-          <a:xfrm>
-            <a:off x="2054159" y="4271149"/>
-            <a:ext cx="9396942" cy="521766"/>
-          </a:xfrm>
-          <a:prstGeom prst="rect">
-            <a:avLst/>
-          </a:prstGeom>
-          <a:noFill/>
-          <a:ln>
-            <a:noFill/>
-          </a:ln>
-        </p:spPr>
-        <p:style>
-          <a:lnRef idx="0">
-            <a:scrgbClr r="0" g="0" b="0"/>
-          </a:lnRef>
-          <a:fillRef idx="0">
-            <a:scrgbClr r="0" g="0" b="0"/>
-          </a:fillRef>
-          <a:effectRef idx="0">
-            <a:scrgbClr r="0" g="0" b="0"/>
-          </a:effectRef>
-          <a:fontRef idx="minor"/>
-        </p:style>
-        <p:txBody>
-          <a:bodyPr wrap="square" lIns="90000" tIns="45000" rIns="90000" bIns="45000">
-            <a:spAutoFit/>
-          </a:bodyPr>
-          <a:lstStyle/>
-          <a:p>
-            <a:pPr>
-              <a:lnSpc>
-                <a:spcPct val="100000"/>
-              </a:lnSpc>
-            </a:pPr>
-            <a:r>
-              <a:rPr lang="en-IN" sz="2800" b="0" strike="noStrike" spc="-1" dirty="0">
-                <a:solidFill>
-                  <a:srgbClr val="FFFFFF"/>
-                </a:solidFill>
-                <a:latin typeface="Lucida Calligraphy"/>
-              </a:rPr>
-              <a:t>Pallav Dubey			             481			    19054</a:t>
-            </a:r>
-            <a:endParaRPr lang="en-IN" sz="2800" b="0" strike="noStrike" spc="-1" dirty="0">
               <a:latin typeface="Arial"/>
             </a:endParaRPr>
           </a:p>

--- a/Final PPT.pptx
+++ b/Final PPT.pptx
@@ -25,8 +25,13 @@
     <p:sldId id="311" r:id="rId19"/>
     <p:sldId id="312" r:id="rId20"/>
     <p:sldId id="307" r:id="rId21"/>
-    <p:sldId id="308" r:id="rId22"/>
-    <p:sldId id="283" r:id="rId23"/>
+    <p:sldId id="313" r:id="rId22"/>
+    <p:sldId id="314" r:id="rId23"/>
+    <p:sldId id="315" r:id="rId24"/>
+    <p:sldId id="316" r:id="rId25"/>
+    <p:sldId id="317" r:id="rId26"/>
+    <p:sldId id="308" r:id="rId27"/>
+    <p:sldId id="283" r:id="rId28"/>
   </p:sldIdLst>
   <p:sldSz cx="12192000" cy="6858000"/>
   <p:notesSz cx="6858000" cy="9144000"/>
@@ -133,14 +138,6 @@
 </p:presentation>
 </file>
 
-<file path=ppt/revisionInfo.xml><?xml version="1.0" encoding="utf-8"?>
-<p1510:revInfo xmlns:a="http://schemas.openxmlformats.org/drawingml/2006/main" xmlns:r="http://schemas.openxmlformats.org/officeDocument/2006/relationships" xmlns:p1510="http://schemas.microsoft.com/office/powerpoint/2015/10/main">
-  <p1510:revLst>
-    <p1510:client id="{A0F7A800-17F4-41BD-9B8D-5A0DBE4C2B0B}" v="1" dt="2023-03-28T08:25:50.552"/>
-  </p1510:revLst>
-</p1510:revInfo>
-</file>
-
 <file path=ppt/changesInfos/changesInfo1.xml><?xml version="1.0" encoding="utf-8"?>
 <pc:chgInfo xmlns:a="http://schemas.openxmlformats.org/drawingml/2006/main" xmlns:r="http://schemas.openxmlformats.org/officeDocument/2006/relationships" xmlns:ac="http://schemas.microsoft.com/office/drawing/2013/main/command" xmlns:pc="http://schemas.microsoft.com/office/powerpoint/2013/main/command">
   <pc:docChgLst>
@@ -167,6 +164,208 @@
       </pc:sldChg>
     </pc:docChg>
   </pc:docChgLst>
+  <pc:docChgLst>
+    <pc:chgData name="Akash Rajak | MAQ Software" userId="5f910f21-0beb-4099-b487-d619ccf22777" providerId="ADAL" clId="{054C84F9-5E30-41C8-BA29-1FDF0F50094D}"/>
+    <pc:docChg chg="undo custSel addSld modSld sldOrd">
+      <pc:chgData name="Akash Rajak | MAQ Software" userId="5f910f21-0beb-4099-b487-d619ccf22777" providerId="ADAL" clId="{054C84F9-5E30-41C8-BA29-1FDF0F50094D}" dt="2023-04-20T08:09:24.920" v="285" actId="6549"/>
+      <pc:docMkLst>
+        <pc:docMk/>
+      </pc:docMkLst>
+      <pc:sldChg chg="modSp mod">
+        <pc:chgData name="Akash Rajak | MAQ Software" userId="5f910f21-0beb-4099-b487-d619ccf22777" providerId="ADAL" clId="{054C84F9-5E30-41C8-BA29-1FDF0F50094D}" dt="2023-04-20T07:15:33.513" v="2" actId="20577"/>
+        <pc:sldMkLst>
+          <pc:docMk/>
+          <pc:sldMk cId="1415884878" sldId="290"/>
+        </pc:sldMkLst>
+        <pc:spChg chg="mod">
+          <ac:chgData name="Akash Rajak | MAQ Software" userId="5f910f21-0beb-4099-b487-d619ccf22777" providerId="ADAL" clId="{054C84F9-5E30-41C8-BA29-1FDF0F50094D}" dt="2023-04-20T07:15:33.513" v="2" actId="20577"/>
+          <ac:spMkLst>
+            <pc:docMk/>
+            <pc:sldMk cId="1415884878" sldId="290"/>
+            <ac:spMk id="2" creationId="{97329B8F-B383-CC16-1D5C-3DCDA84E27C4}"/>
+          </ac:spMkLst>
+        </pc:spChg>
+      </pc:sldChg>
+      <pc:sldChg chg="modSp mod">
+        <pc:chgData name="Akash Rajak | MAQ Software" userId="5f910f21-0beb-4099-b487-d619ccf22777" providerId="ADAL" clId="{054C84F9-5E30-41C8-BA29-1FDF0F50094D}" dt="2023-04-20T06:26:45.071" v="1"/>
+        <pc:sldMkLst>
+          <pc:docMk/>
+          <pc:sldMk cId="1014087178" sldId="312"/>
+        </pc:sldMkLst>
+        <pc:spChg chg="mod">
+          <ac:chgData name="Akash Rajak | MAQ Software" userId="5f910f21-0beb-4099-b487-d619ccf22777" providerId="ADAL" clId="{054C84F9-5E30-41C8-BA29-1FDF0F50094D}" dt="2023-04-20T06:26:45.071" v="1"/>
+          <ac:spMkLst>
+            <pc:docMk/>
+            <pc:sldMk cId="1014087178" sldId="312"/>
+            <ac:spMk id="6" creationId="{828EA9EF-BED4-2555-C301-1152F34B4599}"/>
+          </ac:spMkLst>
+        </pc:spChg>
+      </pc:sldChg>
+      <pc:sldChg chg="addSp modSp add mod">
+        <pc:chgData name="Akash Rajak | MAQ Software" userId="5f910f21-0beb-4099-b487-d619ccf22777" providerId="ADAL" clId="{054C84F9-5E30-41C8-BA29-1FDF0F50094D}" dt="2023-04-20T08:09:24.920" v="285" actId="6549"/>
+        <pc:sldMkLst>
+          <pc:docMk/>
+          <pc:sldMk cId="2490841802" sldId="313"/>
+        </pc:sldMkLst>
+        <pc:spChg chg="mod">
+          <ac:chgData name="Akash Rajak | MAQ Software" userId="5f910f21-0beb-4099-b487-d619ccf22777" providerId="ADAL" clId="{054C84F9-5E30-41C8-BA29-1FDF0F50094D}" dt="2023-04-20T07:37:30.036" v="10" actId="20577"/>
+          <ac:spMkLst>
+            <pc:docMk/>
+            <pc:sldMk cId="2490841802" sldId="313"/>
+            <ac:spMk id="3" creationId="{BAE7179B-6890-8F2D-7FDD-4D38FD76E173}"/>
+          </ac:spMkLst>
+        </pc:spChg>
+        <pc:spChg chg="mod">
+          <ac:chgData name="Akash Rajak | MAQ Software" userId="5f910f21-0beb-4099-b487-d619ccf22777" providerId="ADAL" clId="{054C84F9-5E30-41C8-BA29-1FDF0F50094D}" dt="2023-04-20T08:09:24.920" v="285" actId="6549"/>
+          <ac:spMkLst>
+            <pc:docMk/>
+            <pc:sldMk cId="2490841802" sldId="313"/>
+            <ac:spMk id="4" creationId="{C7786FD8-E882-939C-D9BA-7ABC7B114535}"/>
+          </ac:spMkLst>
+        </pc:spChg>
+        <pc:picChg chg="add mod">
+          <ac:chgData name="Akash Rajak | MAQ Software" userId="5f910f21-0beb-4099-b487-d619ccf22777" providerId="ADAL" clId="{054C84F9-5E30-41C8-BA29-1FDF0F50094D}" dt="2023-04-20T07:45:33.261" v="45" actId="1076"/>
+          <ac:picMkLst>
+            <pc:docMk/>
+            <pc:sldMk cId="2490841802" sldId="313"/>
+            <ac:picMk id="5" creationId="{BBD12A8A-640A-BC66-74B6-C0F34C7C35C2}"/>
+          </ac:picMkLst>
+        </pc:picChg>
+        <pc:picChg chg="add mod">
+          <ac:chgData name="Akash Rajak | MAQ Software" userId="5f910f21-0beb-4099-b487-d619ccf22777" providerId="ADAL" clId="{054C84F9-5E30-41C8-BA29-1FDF0F50094D}" dt="2023-04-20T07:45:57.624" v="47" actId="1076"/>
+          <ac:picMkLst>
+            <pc:docMk/>
+            <pc:sldMk cId="2490841802" sldId="313"/>
+            <ac:picMk id="7" creationId="{52487713-A16A-DBBF-A28B-DD9E27C76B11}"/>
+          </ac:picMkLst>
+        </pc:picChg>
+      </pc:sldChg>
+      <pc:sldChg chg="addSp modSp add mod ord">
+        <pc:chgData name="Akash Rajak | MAQ Software" userId="5f910f21-0beb-4099-b487-d619ccf22777" providerId="ADAL" clId="{054C84F9-5E30-41C8-BA29-1FDF0F50094D}" dt="2023-04-20T08:01:23.264" v="272" actId="20577"/>
+        <pc:sldMkLst>
+          <pc:docMk/>
+          <pc:sldMk cId="3404569146" sldId="314"/>
+        </pc:sldMkLst>
+        <pc:spChg chg="mod">
+          <ac:chgData name="Akash Rajak | MAQ Software" userId="5f910f21-0beb-4099-b487-d619ccf22777" providerId="ADAL" clId="{054C84F9-5E30-41C8-BA29-1FDF0F50094D}" dt="2023-04-20T08:01:23.264" v="272" actId="20577"/>
+          <ac:spMkLst>
+            <pc:docMk/>
+            <pc:sldMk cId="3404569146" sldId="314"/>
+            <ac:spMk id="6" creationId="{828EA9EF-BED4-2555-C301-1152F34B4599}"/>
+          </ac:spMkLst>
+        </pc:spChg>
+        <pc:picChg chg="add mod">
+          <ac:chgData name="Akash Rajak | MAQ Software" userId="5f910f21-0beb-4099-b487-d619ccf22777" providerId="ADAL" clId="{054C84F9-5E30-41C8-BA29-1FDF0F50094D}" dt="2023-04-20T07:49:08.714" v="130" actId="1076"/>
+          <ac:picMkLst>
+            <pc:docMk/>
+            <pc:sldMk cId="3404569146" sldId="314"/>
+            <ac:picMk id="3" creationId="{614558E5-0571-29B4-9402-A4FECC3261B2}"/>
+          </ac:picMkLst>
+        </pc:picChg>
+      </pc:sldChg>
+      <pc:sldChg chg="addSp delSp modSp add mod">
+        <pc:chgData name="Akash Rajak | MAQ Software" userId="5f910f21-0beb-4099-b487-d619ccf22777" providerId="ADAL" clId="{054C84F9-5E30-41C8-BA29-1FDF0F50094D}" dt="2023-04-20T08:01:19.216" v="270" actId="20577"/>
+        <pc:sldMkLst>
+          <pc:docMk/>
+          <pc:sldMk cId="1287373906" sldId="315"/>
+        </pc:sldMkLst>
+        <pc:spChg chg="mod">
+          <ac:chgData name="Akash Rajak | MAQ Software" userId="5f910f21-0beb-4099-b487-d619ccf22777" providerId="ADAL" clId="{054C84F9-5E30-41C8-BA29-1FDF0F50094D}" dt="2023-04-20T08:01:19.216" v="270" actId="20577"/>
+          <ac:spMkLst>
+            <pc:docMk/>
+            <pc:sldMk cId="1287373906" sldId="315"/>
+            <ac:spMk id="6" creationId="{828EA9EF-BED4-2555-C301-1152F34B4599}"/>
+          </ac:spMkLst>
+        </pc:spChg>
+        <pc:picChg chg="del">
+          <ac:chgData name="Akash Rajak | MAQ Software" userId="5f910f21-0beb-4099-b487-d619ccf22777" providerId="ADAL" clId="{054C84F9-5E30-41C8-BA29-1FDF0F50094D}" dt="2023-04-20T07:52:30.993" v="234" actId="478"/>
+          <ac:picMkLst>
+            <pc:docMk/>
+            <pc:sldMk cId="1287373906" sldId="315"/>
+            <ac:picMk id="3" creationId="{614558E5-0571-29B4-9402-A4FECC3261B2}"/>
+          </ac:picMkLst>
+        </pc:picChg>
+        <pc:picChg chg="add del">
+          <ac:chgData name="Akash Rajak | MAQ Software" userId="5f910f21-0beb-4099-b487-d619ccf22777" providerId="ADAL" clId="{054C84F9-5E30-41C8-BA29-1FDF0F50094D}" dt="2023-04-20T07:52:29.029" v="233" actId="22"/>
+          <ac:picMkLst>
+            <pc:docMk/>
+            <pc:sldMk cId="1287373906" sldId="315"/>
+            <ac:picMk id="4" creationId="{ACFB1282-8499-A02C-170D-6DD4A620FB6C}"/>
+          </ac:picMkLst>
+        </pc:picChg>
+        <pc:picChg chg="add mod">
+          <ac:chgData name="Akash Rajak | MAQ Software" userId="5f910f21-0beb-4099-b487-d619ccf22777" providerId="ADAL" clId="{054C84F9-5E30-41C8-BA29-1FDF0F50094D}" dt="2023-04-20T07:52:44.687" v="237" actId="1076"/>
+          <ac:picMkLst>
+            <pc:docMk/>
+            <pc:sldMk cId="1287373906" sldId="315"/>
+            <ac:picMk id="7" creationId="{4C9B10ED-DAF8-6890-3766-AEEEA2395A38}"/>
+          </ac:picMkLst>
+        </pc:picChg>
+      </pc:sldChg>
+      <pc:sldChg chg="addSp delSp modSp add mod">
+        <pc:chgData name="Akash Rajak | MAQ Software" userId="5f910f21-0beb-4099-b487-d619ccf22777" providerId="ADAL" clId="{054C84F9-5E30-41C8-BA29-1FDF0F50094D}" dt="2023-04-20T08:01:12.401" v="268" actId="6549"/>
+        <pc:sldMkLst>
+          <pc:docMk/>
+          <pc:sldMk cId="2355621742" sldId="316"/>
+        </pc:sldMkLst>
+        <pc:spChg chg="mod">
+          <ac:chgData name="Akash Rajak | MAQ Software" userId="5f910f21-0beb-4099-b487-d619ccf22777" providerId="ADAL" clId="{054C84F9-5E30-41C8-BA29-1FDF0F50094D}" dt="2023-04-20T08:01:12.401" v="268" actId="6549"/>
+          <ac:spMkLst>
+            <pc:docMk/>
+            <pc:sldMk cId="2355621742" sldId="316"/>
+            <ac:spMk id="6" creationId="{828EA9EF-BED4-2555-C301-1152F34B4599}"/>
+          </ac:spMkLst>
+        </pc:spChg>
+        <pc:picChg chg="add mod">
+          <ac:chgData name="Akash Rajak | MAQ Software" userId="5f910f21-0beb-4099-b487-d619ccf22777" providerId="ADAL" clId="{054C84F9-5E30-41C8-BA29-1FDF0F50094D}" dt="2023-04-20T08:00:54.679" v="263" actId="1076"/>
+          <ac:picMkLst>
+            <pc:docMk/>
+            <pc:sldMk cId="2355621742" sldId="316"/>
+            <ac:picMk id="3" creationId="{F0555994-B94E-9558-717E-FDA568634FB5}"/>
+          </ac:picMkLst>
+        </pc:picChg>
+        <pc:picChg chg="del">
+          <ac:chgData name="Akash Rajak | MAQ Software" userId="5f910f21-0beb-4099-b487-d619ccf22777" providerId="ADAL" clId="{054C84F9-5E30-41C8-BA29-1FDF0F50094D}" dt="2023-04-20T08:00:29.200" v="239" actId="478"/>
+          <ac:picMkLst>
+            <pc:docMk/>
+            <pc:sldMk cId="2355621742" sldId="316"/>
+            <ac:picMk id="7" creationId="{4C9B10ED-DAF8-6890-3766-AEEEA2395A38}"/>
+          </ac:picMkLst>
+        </pc:picChg>
+      </pc:sldChg>
+      <pc:sldChg chg="addSp delSp modSp add mod">
+        <pc:chgData name="Akash Rajak | MAQ Software" userId="5f910f21-0beb-4099-b487-d619ccf22777" providerId="ADAL" clId="{054C84F9-5E30-41C8-BA29-1FDF0F50094D}" dt="2023-04-20T08:04:39.297" v="283" actId="1076"/>
+        <pc:sldMkLst>
+          <pc:docMk/>
+          <pc:sldMk cId="295870088" sldId="317"/>
+        </pc:sldMkLst>
+        <pc:spChg chg="mod">
+          <ac:chgData name="Akash Rajak | MAQ Software" userId="5f910f21-0beb-4099-b487-d619ccf22777" providerId="ADAL" clId="{054C84F9-5E30-41C8-BA29-1FDF0F50094D}" dt="2023-04-20T08:04:36.880" v="282" actId="20577"/>
+          <ac:spMkLst>
+            <pc:docMk/>
+            <pc:sldMk cId="295870088" sldId="317"/>
+            <ac:spMk id="6" creationId="{828EA9EF-BED4-2555-C301-1152F34B4599}"/>
+          </ac:spMkLst>
+        </pc:spChg>
+        <pc:picChg chg="del">
+          <ac:chgData name="Akash Rajak | MAQ Software" userId="5f910f21-0beb-4099-b487-d619ccf22777" providerId="ADAL" clId="{054C84F9-5E30-41C8-BA29-1FDF0F50094D}" dt="2023-04-20T08:04:16.191" v="274" actId="478"/>
+          <ac:picMkLst>
+            <pc:docMk/>
+            <pc:sldMk cId="295870088" sldId="317"/>
+            <ac:picMk id="3" creationId="{F0555994-B94E-9558-717E-FDA568634FB5}"/>
+          </ac:picMkLst>
+        </pc:picChg>
+        <pc:picChg chg="add mod">
+          <ac:chgData name="Akash Rajak | MAQ Software" userId="5f910f21-0beb-4099-b487-d619ccf22777" providerId="ADAL" clId="{054C84F9-5E30-41C8-BA29-1FDF0F50094D}" dt="2023-04-20T08:04:39.297" v="283" actId="1076"/>
+          <ac:picMkLst>
+            <pc:docMk/>
+            <pc:sldMk cId="295870088" sldId="317"/>
+            <ac:picMk id="4" creationId="{E952BD0E-A6D0-23D5-5F93-648DAEB15CA5}"/>
+          </ac:picMkLst>
+        </pc:picChg>
+      </pc:sldChg>
+    </pc:docChg>
+  </pc:docChgLst>
 </pc:chgInfo>
 </file>
 
@@ -356,7 +555,7 @@
           <a:p>
             <a:fld id="{18E695EA-E809-43D7-83F3-62ED79D52AB1}" type="datetimeFigureOut">
               <a:rPr lang="en-IN" smtClean="0"/>
-              <a:t>16-04-2023</a:t>
+              <a:t>20-04-2023</a:t>
             </a:fld>
             <a:endParaRPr lang="en-IN"/>
           </a:p>
@@ -631,7 +830,7 @@
           <a:p>
             <a:fld id="{18E695EA-E809-43D7-83F3-62ED79D52AB1}" type="datetimeFigureOut">
               <a:rPr lang="en-IN" smtClean="0"/>
-              <a:t>16-04-2023</a:t>
+              <a:t>20-04-2023</a:t>
             </a:fld>
             <a:endParaRPr lang="en-IN"/>
           </a:p>
@@ -825,7 +1024,7 @@
           <a:p>
             <a:fld id="{18E695EA-E809-43D7-83F3-62ED79D52AB1}" type="datetimeFigureOut">
               <a:rPr lang="en-IN" smtClean="0"/>
-              <a:t>16-04-2023</a:t>
+              <a:t>20-04-2023</a:t>
             </a:fld>
             <a:endParaRPr lang="en-IN"/>
           </a:p>
@@ -1098,7 +1297,7 @@
           <a:p>
             <a:fld id="{18E695EA-E809-43D7-83F3-62ED79D52AB1}" type="datetimeFigureOut">
               <a:rPr lang="en-IN" smtClean="0"/>
-              <a:t>16-04-2023</a:t>
+              <a:t>20-04-2023</a:t>
             </a:fld>
             <a:endParaRPr lang="en-IN"/>
           </a:p>
@@ -1439,7 +1638,7 @@
           <a:p>
             <a:fld id="{18E695EA-E809-43D7-83F3-62ED79D52AB1}" type="datetimeFigureOut">
               <a:rPr lang="en-IN" smtClean="0"/>
-              <a:t>16-04-2023</a:t>
+              <a:t>20-04-2023</a:t>
             </a:fld>
             <a:endParaRPr lang="en-IN"/>
           </a:p>
@@ -2062,7 +2261,7 @@
           <a:p>
             <a:fld id="{18E695EA-E809-43D7-83F3-62ED79D52AB1}" type="datetimeFigureOut">
               <a:rPr lang="en-IN" smtClean="0"/>
-              <a:t>16-04-2023</a:t>
+              <a:t>20-04-2023</a:t>
             </a:fld>
             <a:endParaRPr lang="en-IN"/>
           </a:p>
@@ -2922,7 +3121,7 @@
           <a:p>
             <a:fld id="{18E695EA-E809-43D7-83F3-62ED79D52AB1}" type="datetimeFigureOut">
               <a:rPr lang="en-IN" smtClean="0"/>
-              <a:t>16-04-2023</a:t>
+              <a:t>20-04-2023</a:t>
             </a:fld>
             <a:endParaRPr lang="en-IN"/>
           </a:p>
@@ -3092,7 +3291,7 @@
           <a:p>
             <a:fld id="{18E695EA-E809-43D7-83F3-62ED79D52AB1}" type="datetimeFigureOut">
               <a:rPr lang="en-IN" smtClean="0"/>
-              <a:t>16-04-2023</a:t>
+              <a:t>20-04-2023</a:t>
             </a:fld>
             <a:endParaRPr lang="en-IN"/>
           </a:p>
@@ -3272,7 +3471,7 @@
           <a:p>
             <a:fld id="{18E695EA-E809-43D7-83F3-62ED79D52AB1}" type="datetimeFigureOut">
               <a:rPr lang="en-IN" smtClean="0"/>
-              <a:t>16-04-2023</a:t>
+              <a:t>20-04-2023</a:t>
             </a:fld>
             <a:endParaRPr lang="en-IN"/>
           </a:p>
@@ -3442,7 +3641,7 @@
           <a:p>
             <a:fld id="{18E695EA-E809-43D7-83F3-62ED79D52AB1}" type="datetimeFigureOut">
               <a:rPr lang="en-IN" smtClean="0"/>
-              <a:t>16-04-2023</a:t>
+              <a:t>20-04-2023</a:t>
             </a:fld>
             <a:endParaRPr lang="en-IN"/>
           </a:p>
@@ -3689,7 +3888,7 @@
           <a:p>
             <a:fld id="{18E695EA-E809-43D7-83F3-62ED79D52AB1}" type="datetimeFigureOut">
               <a:rPr lang="en-IN" smtClean="0"/>
-              <a:t>16-04-2023</a:t>
+              <a:t>20-04-2023</a:t>
             </a:fld>
             <a:endParaRPr lang="en-IN"/>
           </a:p>
@@ -3981,7 +4180,7 @@
           <a:p>
             <a:fld id="{18E695EA-E809-43D7-83F3-62ED79D52AB1}" type="datetimeFigureOut">
               <a:rPr lang="en-IN" smtClean="0"/>
-              <a:t>16-04-2023</a:t>
+              <a:t>20-04-2023</a:t>
             </a:fld>
             <a:endParaRPr lang="en-IN"/>
           </a:p>
@@ -4425,7 +4624,7 @@
           <a:p>
             <a:fld id="{18E695EA-E809-43D7-83F3-62ED79D52AB1}" type="datetimeFigureOut">
               <a:rPr lang="en-IN" smtClean="0"/>
-              <a:t>16-04-2023</a:t>
+              <a:t>20-04-2023</a:t>
             </a:fld>
             <a:endParaRPr lang="en-IN"/>
           </a:p>
@@ -4543,7 +4742,7 @@
           <a:p>
             <a:fld id="{18E695EA-E809-43D7-83F3-62ED79D52AB1}" type="datetimeFigureOut">
               <a:rPr lang="en-IN" smtClean="0"/>
-              <a:t>16-04-2023</a:t>
+              <a:t>20-04-2023</a:t>
             </a:fld>
             <a:endParaRPr lang="en-IN"/>
           </a:p>
@@ -4638,7 +4837,7 @@
           <a:p>
             <a:fld id="{18E695EA-E809-43D7-83F3-62ED79D52AB1}" type="datetimeFigureOut">
               <a:rPr lang="en-IN" smtClean="0"/>
-              <a:t>16-04-2023</a:t>
+              <a:t>20-04-2023</a:t>
             </a:fld>
             <a:endParaRPr lang="en-IN"/>
           </a:p>
@@ -4917,7 +5116,7 @@
           <a:p>
             <a:fld id="{18E695EA-E809-43D7-83F3-62ED79D52AB1}" type="datetimeFigureOut">
               <a:rPr lang="en-IN" smtClean="0"/>
-              <a:t>16-04-2023</a:t>
+              <a:t>20-04-2023</a:t>
             </a:fld>
             <a:endParaRPr lang="en-IN"/>
           </a:p>
@@ -5192,7 +5391,7 @@
           <a:p>
             <a:fld id="{18E695EA-E809-43D7-83F3-62ED79D52AB1}" type="datetimeFigureOut">
               <a:rPr lang="en-IN" smtClean="0"/>
-              <a:t>16-04-2023</a:t>
+              <a:t>20-04-2023</a:t>
             </a:fld>
             <a:endParaRPr lang="en-IN"/>
           </a:p>
@@ -5621,7 +5820,7 @@
           <a:p>
             <a:fld id="{18E695EA-E809-43D7-83F3-62ED79D52AB1}" type="datetimeFigureOut">
               <a:rPr lang="en-IN" smtClean="0"/>
-              <a:t>16-04-2023</a:t>
+              <a:t>20-04-2023</a:t>
             </a:fld>
             <a:endParaRPr lang="en-IN"/>
           </a:p>
@@ -6681,7 +6880,7 @@
                 <a:latin typeface="Verdana" panose="020B0604030504040204" pitchFamily="34" charset="0"/>
                 <a:ea typeface="Verdana" panose="020B0604030504040204" pitchFamily="34" charset="0"/>
               </a:rPr>
-              <a:t>Quantum Teleportation(QT)</a:t>
+              <a:t>Quantum Teleportation (QT)</a:t>
             </a:r>
           </a:p>
           <a:p>
@@ -8660,6 +8859,622 @@
         </p:nvSpPr>
         <p:spPr>
           <a:xfrm>
+            <a:off x="782873" y="632067"/>
+            <a:ext cx="8565313" cy="584775"/>
+          </a:xfrm>
+          <a:prstGeom prst="rect">
+            <a:avLst/>
+          </a:prstGeom>
+          <a:noFill/>
+        </p:spPr>
+        <p:txBody>
+          <a:bodyPr wrap="square" rtlCol="0">
+            <a:spAutoFit/>
+          </a:bodyPr>
+          <a:lstStyle/>
+          <a:p>
+            <a:pPr>
+              <a:lnSpc>
+                <a:spcPct val="100000"/>
+              </a:lnSpc>
+            </a:pPr>
+            <a:r>
+              <a:rPr lang="en-IN" sz="3200" b="0" strike="noStrike" spc="-1" dirty="0">
+                <a:solidFill>
+                  <a:srgbClr val="FFFFFF"/>
+                </a:solidFill>
+                <a:latin typeface="Rockwell"/>
+              </a:rPr>
+              <a:t>Results</a:t>
+            </a:r>
+            <a:endParaRPr lang="en-IN" sz="3200" b="0" strike="noStrike" spc="-1" dirty="0">
+              <a:latin typeface="Arial"/>
+            </a:endParaRPr>
+          </a:p>
+        </p:txBody>
+      </p:sp>
+      <p:sp>
+        <p:nvSpPr>
+          <p:cNvPr id="4" name="TextBox 3">
+            <a:extLst>
+              <a:ext uri="{FF2B5EF4-FFF2-40B4-BE49-F238E27FC236}">
+                <a16:creationId xmlns:a16="http://schemas.microsoft.com/office/drawing/2014/main" id="{C7786FD8-E882-939C-D9BA-7ABC7B114535}"/>
+              </a:ext>
+            </a:extLst>
+          </p:cNvPr>
+          <p:cNvSpPr txBox="1"/>
+          <p:nvPr/>
+        </p:nvSpPr>
+        <p:spPr>
+          <a:xfrm>
+            <a:off x="618971" y="1404582"/>
+            <a:ext cx="8565313" cy="461665"/>
+          </a:xfrm>
+          <a:prstGeom prst="rect">
+            <a:avLst/>
+          </a:prstGeom>
+          <a:noFill/>
+        </p:spPr>
+        <p:txBody>
+          <a:bodyPr wrap="square" rtlCol="0">
+            <a:spAutoFit/>
+          </a:bodyPr>
+          <a:lstStyle/>
+          <a:p>
+            <a:pPr marL="457200" indent="-457200">
+              <a:lnSpc>
+                <a:spcPct val="100000"/>
+              </a:lnSpc>
+              <a:buFont typeface="Wingdings" panose="05000000000000000000" pitchFamily="2" charset="2"/>
+              <a:buChar char="Ø"/>
+            </a:pPr>
+            <a:r>
+              <a:rPr lang="en-IN" sz="2400" spc="-1" dirty="0">
+                <a:solidFill>
+                  <a:srgbClr val="FFFFFF"/>
+                </a:solidFill>
+                <a:latin typeface="Rockwell"/>
+              </a:rPr>
+              <a:t>Noisy </a:t>
+            </a:r>
+            <a:r>
+              <a:rPr lang="en-IN" sz="2400" spc="-1">
+                <a:solidFill>
+                  <a:srgbClr val="FFFFFF"/>
+                </a:solidFill>
+                <a:latin typeface="Rockwell"/>
+              </a:rPr>
+              <a:t>VQE Plot</a:t>
+            </a:r>
+            <a:endParaRPr lang="en-IN" sz="2400" b="0" strike="noStrike" spc="-1" dirty="0">
+              <a:solidFill>
+                <a:srgbClr val="FFFFFF"/>
+              </a:solidFill>
+              <a:latin typeface="Rockwell"/>
+            </a:endParaRPr>
+          </a:p>
+        </p:txBody>
+      </p:sp>
+      <p:pic>
+        <p:nvPicPr>
+          <p:cNvPr id="5" name="Picture 4">
+            <a:extLst>
+              <a:ext uri="{FF2B5EF4-FFF2-40B4-BE49-F238E27FC236}">
+                <a16:creationId xmlns:a16="http://schemas.microsoft.com/office/drawing/2014/main" id="{BBD12A8A-640A-BC66-74B6-C0F34C7C35C2}"/>
+              </a:ext>
+            </a:extLst>
+          </p:cNvPr>
+          <p:cNvPicPr>
+            <a:picLocks noChangeAspect="1"/>
+          </p:cNvPicPr>
+          <p:nvPr/>
+        </p:nvPicPr>
+        <p:blipFill>
+          <a:blip r:embed="rId2"/>
+          <a:stretch>
+            <a:fillRect/>
+          </a:stretch>
+        </p:blipFill>
+        <p:spPr>
+          <a:xfrm>
+            <a:off x="1048701" y="2459949"/>
+            <a:ext cx="4401164" cy="2800741"/>
+          </a:xfrm>
+          <a:prstGeom prst="rect">
+            <a:avLst/>
+          </a:prstGeom>
+        </p:spPr>
+      </p:pic>
+      <p:pic>
+        <p:nvPicPr>
+          <p:cNvPr id="7" name="Picture 6">
+            <a:extLst>
+              <a:ext uri="{FF2B5EF4-FFF2-40B4-BE49-F238E27FC236}">
+                <a16:creationId xmlns:a16="http://schemas.microsoft.com/office/drawing/2014/main" id="{52487713-A16A-DBBF-A28B-DD9E27C76B11}"/>
+              </a:ext>
+            </a:extLst>
+          </p:cNvPr>
+          <p:cNvPicPr>
+            <a:picLocks noChangeAspect="1"/>
+          </p:cNvPicPr>
+          <p:nvPr/>
+        </p:nvPicPr>
+        <p:blipFill>
+          <a:blip r:embed="rId3"/>
+          <a:stretch>
+            <a:fillRect/>
+          </a:stretch>
+        </p:blipFill>
+        <p:spPr>
+          <a:xfrm>
+            <a:off x="6239739" y="2459949"/>
+            <a:ext cx="4353533" cy="2762636"/>
+          </a:xfrm>
+          <a:prstGeom prst="rect">
+            <a:avLst/>
+          </a:prstGeom>
+        </p:spPr>
+      </p:pic>
+    </p:spTree>
+    <p:extLst>
+      <p:ext uri="{BB962C8B-B14F-4D97-AF65-F5344CB8AC3E}">
+        <p14:creationId xmlns:p14="http://schemas.microsoft.com/office/powerpoint/2010/main" val="2490841802"/>
+      </p:ext>
+    </p:extLst>
+  </p:cSld>
+  <p:clrMapOvr>
+    <a:masterClrMapping/>
+  </p:clrMapOvr>
+</p:sld>
+</file>
+
+<file path=ppt/slides/slide22.xml><?xml version="1.0" encoding="utf-8"?>
+<p:sld xmlns:a="http://schemas.openxmlformats.org/drawingml/2006/main" xmlns:r="http://schemas.openxmlformats.org/officeDocument/2006/relationships" xmlns:p="http://schemas.openxmlformats.org/presentationml/2006/main">
+  <p:cSld>
+    <p:spTree>
+      <p:nvGrpSpPr>
+        <p:cNvPr id="1" name=""/>
+        <p:cNvGrpSpPr/>
+        <p:nvPr/>
+      </p:nvGrpSpPr>
+      <p:grpSpPr>
+        <a:xfrm>
+          <a:off x="0" y="0"/>
+          <a:ext cx="0" cy="0"/>
+          <a:chOff x="0" y="0"/>
+          <a:chExt cx="0" cy="0"/>
+        </a:xfrm>
+      </p:grpSpPr>
+      <p:sp>
+        <p:nvSpPr>
+          <p:cNvPr id="6" name="TextBox 5">
+            <a:extLst>
+              <a:ext uri="{FF2B5EF4-FFF2-40B4-BE49-F238E27FC236}">
+                <a16:creationId xmlns:a16="http://schemas.microsoft.com/office/drawing/2014/main" id="{828EA9EF-BED4-2555-C301-1152F34B4599}"/>
+              </a:ext>
+            </a:extLst>
+          </p:cNvPr>
+          <p:cNvSpPr txBox="1"/>
+          <p:nvPr/>
+        </p:nvSpPr>
+        <p:spPr>
+          <a:xfrm>
+            <a:off x="587563" y="757834"/>
+            <a:ext cx="11352903" cy="523220"/>
+          </a:xfrm>
+          <a:prstGeom prst="rect">
+            <a:avLst/>
+          </a:prstGeom>
+          <a:noFill/>
+        </p:spPr>
+        <p:txBody>
+          <a:bodyPr wrap="square" rtlCol="0">
+            <a:spAutoFit/>
+          </a:bodyPr>
+          <a:lstStyle/>
+          <a:p>
+            <a:pPr marL="342900" indent="-342900">
+              <a:lnSpc>
+                <a:spcPct val="100000"/>
+              </a:lnSpc>
+              <a:buFont typeface="Wingdings" panose="05000000000000000000" pitchFamily="2" charset="2"/>
+              <a:buChar char="Ø"/>
+            </a:pPr>
+            <a:r>
+              <a:rPr lang="en-US" sz="2800" spc="-1" dirty="0">
+                <a:latin typeface="Arial"/>
+              </a:rPr>
+              <a:t>QPE Measurement Result for 5-Qubit System</a:t>
+            </a:r>
+          </a:p>
+        </p:txBody>
+      </p:sp>
+      <p:pic>
+        <p:nvPicPr>
+          <p:cNvPr id="3" name="Picture 2">
+            <a:extLst>
+              <a:ext uri="{FF2B5EF4-FFF2-40B4-BE49-F238E27FC236}">
+                <a16:creationId xmlns:a16="http://schemas.microsoft.com/office/drawing/2014/main" id="{614558E5-0571-29B4-9402-A4FECC3261B2}"/>
+              </a:ext>
+            </a:extLst>
+          </p:cNvPr>
+          <p:cNvPicPr>
+            <a:picLocks noChangeAspect="1"/>
+          </p:cNvPicPr>
+          <p:nvPr/>
+        </p:nvPicPr>
+        <p:blipFill>
+          <a:blip r:embed="rId2"/>
+          <a:stretch>
+            <a:fillRect/>
+          </a:stretch>
+        </p:blipFill>
+        <p:spPr>
+          <a:xfrm>
+            <a:off x="3046147" y="2028629"/>
+            <a:ext cx="5944430" cy="2800741"/>
+          </a:xfrm>
+          <a:prstGeom prst="rect">
+            <a:avLst/>
+          </a:prstGeom>
+        </p:spPr>
+      </p:pic>
+    </p:spTree>
+    <p:extLst>
+      <p:ext uri="{BB962C8B-B14F-4D97-AF65-F5344CB8AC3E}">
+        <p14:creationId xmlns:p14="http://schemas.microsoft.com/office/powerpoint/2010/main" val="3404569146"/>
+      </p:ext>
+    </p:extLst>
+  </p:cSld>
+  <p:clrMapOvr>
+    <a:masterClrMapping/>
+  </p:clrMapOvr>
+</p:sld>
+</file>
+
+<file path=ppt/slides/slide23.xml><?xml version="1.0" encoding="utf-8"?>
+<p:sld xmlns:a="http://schemas.openxmlformats.org/drawingml/2006/main" xmlns:r="http://schemas.openxmlformats.org/officeDocument/2006/relationships" xmlns:p="http://schemas.openxmlformats.org/presentationml/2006/main">
+  <p:cSld>
+    <p:spTree>
+      <p:nvGrpSpPr>
+        <p:cNvPr id="1" name=""/>
+        <p:cNvGrpSpPr/>
+        <p:nvPr/>
+      </p:nvGrpSpPr>
+      <p:grpSpPr>
+        <a:xfrm>
+          <a:off x="0" y="0"/>
+          <a:ext cx="0" cy="0"/>
+          <a:chOff x="0" y="0"/>
+          <a:chExt cx="0" cy="0"/>
+        </a:xfrm>
+      </p:grpSpPr>
+      <p:sp>
+        <p:nvSpPr>
+          <p:cNvPr id="6" name="TextBox 5">
+            <a:extLst>
+              <a:ext uri="{FF2B5EF4-FFF2-40B4-BE49-F238E27FC236}">
+                <a16:creationId xmlns:a16="http://schemas.microsoft.com/office/drawing/2014/main" id="{828EA9EF-BED4-2555-C301-1152F34B4599}"/>
+              </a:ext>
+            </a:extLst>
+          </p:cNvPr>
+          <p:cNvSpPr txBox="1"/>
+          <p:nvPr/>
+        </p:nvSpPr>
+        <p:spPr>
+          <a:xfrm>
+            <a:off x="587563" y="757834"/>
+            <a:ext cx="11352903" cy="523220"/>
+          </a:xfrm>
+          <a:prstGeom prst="rect">
+            <a:avLst/>
+          </a:prstGeom>
+          <a:noFill/>
+        </p:spPr>
+        <p:txBody>
+          <a:bodyPr wrap="square" rtlCol="0">
+            <a:spAutoFit/>
+          </a:bodyPr>
+          <a:lstStyle/>
+          <a:p>
+            <a:pPr marL="342900" indent="-342900">
+              <a:lnSpc>
+                <a:spcPct val="100000"/>
+              </a:lnSpc>
+              <a:buFont typeface="Wingdings" panose="05000000000000000000" pitchFamily="2" charset="2"/>
+              <a:buChar char="Ø"/>
+            </a:pPr>
+            <a:r>
+              <a:rPr lang="en-US" sz="2800" spc="-1" dirty="0">
+                <a:latin typeface="Arial"/>
+              </a:rPr>
+              <a:t>QAOA Probability measurement with 4-Qubit system</a:t>
+            </a:r>
+          </a:p>
+        </p:txBody>
+      </p:sp>
+      <p:pic>
+        <p:nvPicPr>
+          <p:cNvPr id="7" name="Picture 6">
+            <a:extLst>
+              <a:ext uri="{FF2B5EF4-FFF2-40B4-BE49-F238E27FC236}">
+                <a16:creationId xmlns:a16="http://schemas.microsoft.com/office/drawing/2014/main" id="{4C9B10ED-DAF8-6890-3766-AEEEA2395A38}"/>
+              </a:ext>
+            </a:extLst>
+          </p:cNvPr>
+          <p:cNvPicPr>
+            <a:picLocks noChangeAspect="1"/>
+          </p:cNvPicPr>
+          <p:nvPr/>
+        </p:nvPicPr>
+        <p:blipFill>
+          <a:blip r:embed="rId2"/>
+          <a:stretch>
+            <a:fillRect/>
+          </a:stretch>
+        </p:blipFill>
+        <p:spPr>
+          <a:xfrm>
+            <a:off x="2984342" y="1667230"/>
+            <a:ext cx="6020640" cy="4286848"/>
+          </a:xfrm>
+          <a:prstGeom prst="rect">
+            <a:avLst/>
+          </a:prstGeom>
+        </p:spPr>
+      </p:pic>
+    </p:spTree>
+    <p:extLst>
+      <p:ext uri="{BB962C8B-B14F-4D97-AF65-F5344CB8AC3E}">
+        <p14:creationId xmlns:p14="http://schemas.microsoft.com/office/powerpoint/2010/main" val="1287373906"/>
+      </p:ext>
+    </p:extLst>
+  </p:cSld>
+  <p:clrMapOvr>
+    <a:masterClrMapping/>
+  </p:clrMapOvr>
+</p:sld>
+</file>
+
+<file path=ppt/slides/slide24.xml><?xml version="1.0" encoding="utf-8"?>
+<p:sld xmlns:a="http://schemas.openxmlformats.org/drawingml/2006/main" xmlns:r="http://schemas.openxmlformats.org/officeDocument/2006/relationships" xmlns:p="http://schemas.openxmlformats.org/presentationml/2006/main">
+  <p:cSld>
+    <p:spTree>
+      <p:nvGrpSpPr>
+        <p:cNvPr id="1" name=""/>
+        <p:cNvGrpSpPr/>
+        <p:nvPr/>
+      </p:nvGrpSpPr>
+      <p:grpSpPr>
+        <a:xfrm>
+          <a:off x="0" y="0"/>
+          <a:ext cx="0" cy="0"/>
+          <a:chOff x="0" y="0"/>
+          <a:chExt cx="0" cy="0"/>
+        </a:xfrm>
+      </p:grpSpPr>
+      <p:sp>
+        <p:nvSpPr>
+          <p:cNvPr id="6" name="TextBox 5">
+            <a:extLst>
+              <a:ext uri="{FF2B5EF4-FFF2-40B4-BE49-F238E27FC236}">
+                <a16:creationId xmlns:a16="http://schemas.microsoft.com/office/drawing/2014/main" id="{828EA9EF-BED4-2555-C301-1152F34B4599}"/>
+              </a:ext>
+            </a:extLst>
+          </p:cNvPr>
+          <p:cNvSpPr txBox="1"/>
+          <p:nvPr/>
+        </p:nvSpPr>
+        <p:spPr>
+          <a:xfrm>
+            <a:off x="587563" y="757834"/>
+            <a:ext cx="9186165" cy="954107"/>
+          </a:xfrm>
+          <a:prstGeom prst="rect">
+            <a:avLst/>
+          </a:prstGeom>
+          <a:noFill/>
+        </p:spPr>
+        <p:txBody>
+          <a:bodyPr wrap="square" rtlCol="0">
+            <a:spAutoFit/>
+          </a:bodyPr>
+          <a:lstStyle/>
+          <a:p>
+            <a:pPr marL="342900" indent="-342900">
+              <a:lnSpc>
+                <a:spcPct val="100000"/>
+              </a:lnSpc>
+              <a:buFont typeface="Wingdings" panose="05000000000000000000" pitchFamily="2" charset="2"/>
+              <a:buChar char="Ø"/>
+            </a:pPr>
+            <a:r>
+              <a:rPr lang="en-US" sz="2800" spc="-1" dirty="0">
+                <a:latin typeface="Arial"/>
+              </a:rPr>
+              <a:t>Quantum Teleportation Probability measurement with 1-Qubit system</a:t>
+            </a:r>
+          </a:p>
+        </p:txBody>
+      </p:sp>
+      <p:pic>
+        <p:nvPicPr>
+          <p:cNvPr id="3" name="Picture 2">
+            <a:extLst>
+              <a:ext uri="{FF2B5EF4-FFF2-40B4-BE49-F238E27FC236}">
+                <a16:creationId xmlns:a16="http://schemas.microsoft.com/office/drawing/2014/main" id="{F0555994-B94E-9558-717E-FDA568634FB5}"/>
+              </a:ext>
+            </a:extLst>
+          </p:cNvPr>
+          <p:cNvPicPr>
+            <a:picLocks noChangeAspect="1"/>
+          </p:cNvPicPr>
+          <p:nvPr/>
+        </p:nvPicPr>
+        <p:blipFill>
+          <a:blip r:embed="rId2"/>
+          <a:stretch>
+            <a:fillRect/>
+          </a:stretch>
+        </p:blipFill>
+        <p:spPr>
+          <a:xfrm>
+            <a:off x="2707017" y="2101066"/>
+            <a:ext cx="6001588" cy="3915321"/>
+          </a:xfrm>
+          <a:prstGeom prst="rect">
+            <a:avLst/>
+          </a:prstGeom>
+        </p:spPr>
+      </p:pic>
+    </p:spTree>
+    <p:extLst>
+      <p:ext uri="{BB962C8B-B14F-4D97-AF65-F5344CB8AC3E}">
+        <p14:creationId xmlns:p14="http://schemas.microsoft.com/office/powerpoint/2010/main" val="2355621742"/>
+      </p:ext>
+    </p:extLst>
+  </p:cSld>
+  <p:clrMapOvr>
+    <a:masterClrMapping/>
+  </p:clrMapOvr>
+</p:sld>
+</file>
+
+<file path=ppt/slides/slide25.xml><?xml version="1.0" encoding="utf-8"?>
+<p:sld xmlns:a="http://schemas.openxmlformats.org/drawingml/2006/main" xmlns:r="http://schemas.openxmlformats.org/officeDocument/2006/relationships" xmlns:p="http://schemas.openxmlformats.org/presentationml/2006/main">
+  <p:cSld>
+    <p:spTree>
+      <p:nvGrpSpPr>
+        <p:cNvPr id="1" name=""/>
+        <p:cNvGrpSpPr/>
+        <p:nvPr/>
+      </p:nvGrpSpPr>
+      <p:grpSpPr>
+        <a:xfrm>
+          <a:off x="0" y="0"/>
+          <a:ext cx="0" cy="0"/>
+          <a:chOff x="0" y="0"/>
+          <a:chExt cx="0" cy="0"/>
+        </a:xfrm>
+      </p:grpSpPr>
+      <p:sp>
+        <p:nvSpPr>
+          <p:cNvPr id="6" name="TextBox 5">
+            <a:extLst>
+              <a:ext uri="{FF2B5EF4-FFF2-40B4-BE49-F238E27FC236}">
+                <a16:creationId xmlns:a16="http://schemas.microsoft.com/office/drawing/2014/main" id="{828EA9EF-BED4-2555-C301-1152F34B4599}"/>
+              </a:ext>
+            </a:extLst>
+          </p:cNvPr>
+          <p:cNvSpPr txBox="1"/>
+          <p:nvPr/>
+        </p:nvSpPr>
+        <p:spPr>
+          <a:xfrm>
+            <a:off x="587563" y="757834"/>
+            <a:ext cx="9186165" cy="523220"/>
+          </a:xfrm>
+          <a:prstGeom prst="rect">
+            <a:avLst/>
+          </a:prstGeom>
+          <a:noFill/>
+        </p:spPr>
+        <p:txBody>
+          <a:bodyPr wrap="square" rtlCol="0">
+            <a:spAutoFit/>
+          </a:bodyPr>
+          <a:lstStyle/>
+          <a:p>
+            <a:pPr marL="342900" indent="-342900">
+              <a:lnSpc>
+                <a:spcPct val="100000"/>
+              </a:lnSpc>
+              <a:buFont typeface="Wingdings" panose="05000000000000000000" pitchFamily="2" charset="2"/>
+              <a:buChar char="Ø"/>
+            </a:pPr>
+            <a:r>
+              <a:rPr lang="en-US" sz="2800" spc="-1" dirty="0">
+                <a:latin typeface="Arial"/>
+              </a:rPr>
+              <a:t>QFT Probability measurement with 3-Qubit system</a:t>
+            </a:r>
+          </a:p>
+        </p:txBody>
+      </p:sp>
+      <p:pic>
+        <p:nvPicPr>
+          <p:cNvPr id="4" name="Picture 3">
+            <a:extLst>
+              <a:ext uri="{FF2B5EF4-FFF2-40B4-BE49-F238E27FC236}">
+                <a16:creationId xmlns:a16="http://schemas.microsoft.com/office/drawing/2014/main" id="{E952BD0E-A6D0-23D5-5F93-648DAEB15CA5}"/>
+              </a:ext>
+            </a:extLst>
+          </p:cNvPr>
+          <p:cNvPicPr>
+            <a:picLocks noChangeAspect="1"/>
+          </p:cNvPicPr>
+          <p:nvPr/>
+        </p:nvPicPr>
+        <p:blipFill>
+          <a:blip r:embed="rId2"/>
+          <a:stretch>
+            <a:fillRect/>
+          </a:stretch>
+        </p:blipFill>
+        <p:spPr>
+          <a:xfrm>
+            <a:off x="2678810" y="1946686"/>
+            <a:ext cx="5868219" cy="4153480"/>
+          </a:xfrm>
+          <a:prstGeom prst="rect">
+            <a:avLst/>
+          </a:prstGeom>
+        </p:spPr>
+      </p:pic>
+    </p:spTree>
+    <p:extLst>
+      <p:ext uri="{BB962C8B-B14F-4D97-AF65-F5344CB8AC3E}">
+        <p14:creationId xmlns:p14="http://schemas.microsoft.com/office/powerpoint/2010/main" val="295870088"/>
+      </p:ext>
+    </p:extLst>
+  </p:cSld>
+  <p:clrMapOvr>
+    <a:masterClrMapping/>
+  </p:clrMapOvr>
+</p:sld>
+</file>
+
+<file path=ppt/slides/slide26.xml><?xml version="1.0" encoding="utf-8"?>
+<p:sld xmlns:a="http://schemas.openxmlformats.org/drawingml/2006/main" xmlns:r="http://schemas.openxmlformats.org/officeDocument/2006/relationships" xmlns:p="http://schemas.openxmlformats.org/presentationml/2006/main">
+  <p:cSld>
+    <p:spTree>
+      <p:nvGrpSpPr>
+        <p:cNvPr id="1" name=""/>
+        <p:cNvGrpSpPr/>
+        <p:nvPr/>
+      </p:nvGrpSpPr>
+      <p:grpSpPr>
+        <a:xfrm>
+          <a:off x="0" y="0"/>
+          <a:ext cx="0" cy="0"/>
+          <a:chOff x="0" y="0"/>
+          <a:chExt cx="0" cy="0"/>
+        </a:xfrm>
+      </p:grpSpPr>
+      <p:sp>
+        <p:nvSpPr>
+          <p:cNvPr id="3" name="TextBox 2">
+            <a:extLst>
+              <a:ext uri="{FF2B5EF4-FFF2-40B4-BE49-F238E27FC236}">
+                <a16:creationId xmlns:a16="http://schemas.microsoft.com/office/drawing/2014/main" id="{BAE7179B-6890-8F2D-7FDD-4D38FD76E173}"/>
+              </a:ext>
+            </a:extLst>
+          </p:cNvPr>
+          <p:cNvSpPr txBox="1"/>
+          <p:nvPr/>
+        </p:nvSpPr>
+        <p:spPr>
+          <a:xfrm>
             <a:off x="782873" y="605434"/>
             <a:ext cx="8565313" cy="584775"/>
           </a:xfrm>
@@ -8886,7 +9701,7 @@
 </p:sld>
 </file>
 
-<file path=ppt/slides/slide22.xml><?xml version="1.0" encoding="utf-8"?>
+<file path=ppt/slides/slide27.xml><?xml version="1.0" encoding="utf-8"?>
 <p:sld xmlns:a="http://schemas.openxmlformats.org/drawingml/2006/main" xmlns:r="http://schemas.openxmlformats.org/officeDocument/2006/relationships" xmlns:p="http://schemas.openxmlformats.org/presentationml/2006/main">
   <p:cSld>
     <p:spTree>
